--- a/trunk/Go-documentation/cours-general/Concurrence en go.pptx
+++ b/trunk/Go-documentation/cours-general/Concurrence en go.pptx
@@ -3140,12 +3140,14 @@
           <a:lstStyle/>
           <a:p>
             <a:r>
-              <a:rPr lang="fr-FR" dirty="0" smtClean="0"/>
-              <a:t>La concurrence en  </a:t>
-            </a:r>
-            <a:r>
-              <a:rPr lang="fr-FR" dirty="0" smtClean="0"/>
-              <a:t>Go </a:t>
+              <a:rPr lang="fr-FR" dirty="0" smtClean="0">
+                <a:solidFill>
+                  <a:schemeClr val="accent1">
+                    <a:lumMod val="75000"/>
+                  </a:schemeClr>
+                </a:solidFill>
+              </a:rPr>
+              <a:t>La concurrence en  Go </a:t>
             </a:r>
             <a:r>
               <a:rPr lang="fr-FR" dirty="0"/>
@@ -3250,11 +3252,7 @@
           <a:p>
             <a:r>
               <a:rPr lang="fr-FR" i="1" dirty="0" smtClean="0"/>
-              <a:t>(Version de </a:t>
-            </a:r>
-            <a:r>
-              <a:rPr lang="fr-FR" i="1" dirty="0" smtClean="0"/>
-              <a:t>Aout </a:t>
+              <a:t>(Version de Aout </a:t>
             </a:r>
             <a:r>
               <a:rPr lang="fr-FR" i="1" dirty="0"/>
@@ -3305,26 +3303,62 @@
           <a:lstStyle/>
           <a:p>
             <a:r>
-              <a:rPr lang="fr-FR" dirty="0" smtClean="0"/>
+              <a:rPr lang="fr-FR" dirty="0" smtClean="0">
+                <a:solidFill>
+                  <a:schemeClr val="accent1">
+                    <a:lumMod val="75000"/>
+                  </a:schemeClr>
+                </a:solidFill>
+              </a:rPr>
               <a:t>Select : </a:t>
             </a:r>
             <a:r>
-              <a:rPr lang="fr-FR" dirty="0" err="1" smtClean="0"/>
+              <a:rPr lang="fr-FR" dirty="0" err="1" smtClean="0">
+                <a:solidFill>
+                  <a:schemeClr val="accent1">
+                    <a:lumMod val="75000"/>
+                  </a:schemeClr>
+                </a:solidFill>
+              </a:rPr>
               <a:t>send</a:t>
             </a:r>
             <a:r>
-              <a:rPr lang="fr-FR" dirty="0" smtClean="0"/>
+              <a:rPr lang="fr-FR" dirty="0" smtClean="0">
+                <a:solidFill>
+                  <a:schemeClr val="accent1">
+                    <a:lumMod val="75000"/>
+                  </a:schemeClr>
+                </a:solidFill>
+              </a:rPr>
               <a:t>/</a:t>
             </a:r>
             <a:r>
-              <a:rPr lang="fr-FR" dirty="0" err="1" smtClean="0"/>
+              <a:rPr lang="fr-FR" dirty="0" err="1" smtClean="0">
+                <a:solidFill>
+                  <a:schemeClr val="accent1">
+                    <a:lumMod val="75000"/>
+                  </a:schemeClr>
+                </a:solidFill>
+              </a:rPr>
               <a:t>recv</a:t>
             </a:r>
             <a:r>
-              <a:rPr lang="fr-FR" dirty="0" smtClean="0"/>
+              <a:rPr lang="fr-FR" dirty="0" smtClean="0">
+                <a:solidFill>
+                  <a:schemeClr val="accent1">
+                    <a:lumMod val="75000"/>
+                  </a:schemeClr>
+                </a:solidFill>
+              </a:rPr>
               <a:t> non bloquants</a:t>
             </a:r>
-            <a:endParaRPr lang="fr-FR" dirty="0"/>
+            <a:endParaRPr lang="fr-FR" dirty="0">
+              <a:solidFill>
+                <a:schemeClr val="accent1">
+                  <a:lumMod val="75000"/>
+                </a:schemeClr>
+              </a:solidFill>
+            </a:endParaRPr>
           </a:p>
         </p:txBody>
       </p:sp>
@@ -3374,7 +3408,21 @@
                 <a:latin typeface="Courier New" pitchFamily="49" charset="0"/>
                 <a:cs typeface="Courier New" pitchFamily="49" charset="0"/>
               </a:rPr>
-              <a:t> *Request, </a:t>
+              <a:t> *</a:t>
+            </a:r>
+            <a:r>
+              <a:rPr lang="en-US" dirty="0" err="1" smtClean="0">
+                <a:latin typeface="Courier New" pitchFamily="49" charset="0"/>
+                <a:cs typeface="Courier New" pitchFamily="49" charset="0"/>
+              </a:rPr>
+              <a:t>Requete</a:t>
+            </a:r>
+            <a:r>
+              <a:rPr lang="en-US" dirty="0" smtClean="0">
+                <a:latin typeface="Courier New" pitchFamily="49" charset="0"/>
+                <a:cs typeface="Courier New" pitchFamily="49" charset="0"/>
+              </a:rPr>
+              <a:t>, </a:t>
             </a:r>
             <a:r>
               <a:rPr lang="en-US" b="1" dirty="0" smtClean="0">
@@ -3417,18 +3465,36 @@
                 <a:latin typeface="Courier New" pitchFamily="49" charset="0"/>
                 <a:cs typeface="Courier New" pitchFamily="49" charset="0"/>
               </a:rPr>
-              <a:t> := parse()</a:t>
-            </a:r>
-          </a:p>
-          <a:p>
-            <a:pPr lvl="1">
-              <a:buNone/>
-            </a:pPr>
+              <a:t> := </a:t>
+            </a:r>
+            <a:r>
+              <a:rPr lang="en-US" dirty="0" err="1" smtClean="0">
+                <a:latin typeface="Courier New" pitchFamily="49" charset="0"/>
+                <a:cs typeface="Courier New" pitchFamily="49" charset="0"/>
+              </a:rPr>
+              <a:t>analyser</a:t>
+            </a:r>
             <a:r>
               <a:rPr lang="en-US" dirty="0" smtClean="0">
                 <a:latin typeface="Courier New" pitchFamily="49" charset="0"/>
                 <a:cs typeface="Courier New" pitchFamily="49" charset="0"/>
               </a:rPr>
+              <a:t>()</a:t>
+            </a:r>
+            <a:endParaRPr lang="en-US" dirty="0" smtClean="0">
+              <a:latin typeface="Courier New" pitchFamily="49" charset="0"/>
+              <a:cs typeface="Courier New" pitchFamily="49" charset="0"/>
+            </a:endParaRPr>
+          </a:p>
+          <a:p>
+            <a:pPr lvl="1">
+              <a:buNone/>
+            </a:pPr>
+            <a:r>
+              <a:rPr lang="en-US" dirty="0" smtClean="0">
+                <a:latin typeface="Courier New" pitchFamily="49" charset="0"/>
+                <a:cs typeface="Courier New" pitchFamily="49" charset="0"/>
+              </a:rPr>
               <a:t>select {</a:t>
             </a:r>
           </a:p>
@@ -3507,7 +3573,21 @@
                 <a:latin typeface="Courier New" pitchFamily="49" charset="0"/>
                 <a:cs typeface="Courier New" pitchFamily="49" charset="0"/>
               </a:rPr>
-              <a:t>    reply(</a:t>
+              <a:t>    </a:t>
+            </a:r>
+            <a:r>
+              <a:rPr lang="en-US" dirty="0" err="1" smtClean="0">
+                <a:latin typeface="Courier New" pitchFamily="49" charset="0"/>
+                <a:cs typeface="Courier New" pitchFamily="49" charset="0"/>
+              </a:rPr>
+              <a:t>repondre</a:t>
+            </a:r>
+            <a:r>
+              <a:rPr lang="en-US" dirty="0" smtClean="0">
+                <a:latin typeface="Courier New" pitchFamily="49" charset="0"/>
+                <a:cs typeface="Courier New" pitchFamily="49" charset="0"/>
+              </a:rPr>
+              <a:t>(</a:t>
             </a:r>
             <a:r>
               <a:rPr lang="en-US" dirty="0" err="1" smtClean="0">
@@ -3582,10 +3662,22 @@
           <a:lstStyle/>
           <a:p>
             <a:r>
-              <a:rPr lang="fr-FR" dirty="0" smtClean="0"/>
+              <a:rPr lang="fr-FR" dirty="0" smtClean="0">
+                <a:solidFill>
+                  <a:schemeClr val="accent1">
+                    <a:lumMod val="75000"/>
+                  </a:schemeClr>
+                </a:solidFill>
+              </a:rPr>
               <a:t>Select: timeouts</a:t>
             </a:r>
-            <a:endParaRPr lang="fr-FR" dirty="0"/>
+            <a:endParaRPr lang="fr-FR" dirty="0">
+              <a:solidFill>
+                <a:schemeClr val="accent1">
+                  <a:lumMod val="75000"/>
+                </a:schemeClr>
+              </a:solidFill>
+            </a:endParaRPr>
           </a:p>
         </p:txBody>
       </p:sp>
@@ -3739,10 +3831,22 @@
           <a:lstStyle/>
           <a:p>
             <a:r>
-              <a:rPr lang="fr-FR" dirty="0" smtClean="0"/>
+              <a:rPr lang="fr-FR" dirty="0" smtClean="0">
+                <a:solidFill>
+                  <a:schemeClr val="accent1">
+                    <a:lumMod val="75000"/>
+                  </a:schemeClr>
+                </a:solidFill>
+              </a:rPr>
               <a:t>Exemple : le barbier</a:t>
             </a:r>
-            <a:endParaRPr lang="fr-FR" dirty="0"/>
+            <a:endParaRPr lang="fr-FR" dirty="0">
+              <a:solidFill>
+                <a:schemeClr val="accent1">
+                  <a:lumMod val="75000"/>
+                </a:schemeClr>
+              </a:solidFill>
+            </a:endParaRPr>
           </a:p>
         </p:txBody>
       </p:sp>
@@ -3797,42 +3901,21 @@
                 <a:latin typeface="Courier New" pitchFamily="49" charset="0"/>
                 <a:cs typeface="Courier New" pitchFamily="49" charset="0"/>
               </a:rPr>
-              <a:t> = </a:t>
+              <a:t> = make(</a:t>
+            </a:r>
+            <a:r>
+              <a:rPr lang="en-US" sz="1400" dirty="0" err="1" smtClean="0">
+                <a:latin typeface="Courier New" pitchFamily="49" charset="0"/>
+                <a:cs typeface="Courier New" pitchFamily="49" charset="0"/>
+              </a:rPr>
+              <a:t>chan</a:t>
             </a:r>
             <a:r>
               <a:rPr lang="en-US" sz="1400" dirty="0" smtClean="0">
                 <a:latin typeface="Courier New" pitchFamily="49" charset="0"/>
                 <a:cs typeface="Courier New" pitchFamily="49" charset="0"/>
               </a:rPr>
-              <a:t>make(</a:t>
-            </a:r>
-            <a:r>
-              <a:rPr lang="en-US" sz="1400" dirty="0" err="1" smtClean="0">
-                <a:latin typeface="Courier New" pitchFamily="49" charset="0"/>
-                <a:cs typeface="Courier New" pitchFamily="49" charset="0"/>
-              </a:rPr>
-              <a:t>chan</a:t>
-            </a:r>
-            <a:r>
-              <a:rPr lang="en-US" sz="1400" dirty="0" smtClean="0">
-                <a:latin typeface="Courier New" pitchFamily="49" charset="0"/>
-                <a:cs typeface="Courier New" pitchFamily="49" charset="0"/>
-              </a:rPr>
-              <a:t> Customer, 4</a:t>
-            </a:r>
-            <a:r>
-              <a:rPr lang="en-US" sz="1400" dirty="0" smtClean="0">
-                <a:latin typeface="Courier New" pitchFamily="49" charset="0"/>
-                <a:cs typeface="Courier New" pitchFamily="49" charset="0"/>
-              </a:rPr>
-              <a:t>)</a:t>
-            </a:r>
-            <a:r>
-              <a:rPr lang="en-US" sz="1400" dirty="0" smtClean="0">
-                <a:latin typeface="Courier New" pitchFamily="49" charset="0"/>
-                <a:cs typeface="Courier New" pitchFamily="49" charset="0"/>
-              </a:rPr>
-              <a:t/>
+              <a:t> Customer, 4)</a:t>
             </a:r>
             <a:br>
               <a:rPr lang="en-US" sz="1400" dirty="0" smtClean="0">
@@ -3875,14 +3958,19 @@
                 <a:latin typeface="Courier New" pitchFamily="49" charset="0"/>
                 <a:cs typeface="Courier New" pitchFamily="49" charset="0"/>
               </a:rPr>
-              <a:t>() </a:t>
-            </a:r>
+              <a:t>() {</a:t>
+            </a:r>
+          </a:p>
+          <a:p>
+            <a:pPr lvl="1">
+              <a:buNone/>
+            </a:pPr>
             <a:r>
               <a:rPr lang="en-US" sz="1400" dirty="0" smtClean="0">
                 <a:latin typeface="Courier New" pitchFamily="49" charset="0"/>
                 <a:cs typeface="Courier New" pitchFamily="49" charset="0"/>
               </a:rPr>
-              <a:t>{</a:t>
+              <a:t>  for {</a:t>
             </a:r>
           </a:p>
           <a:p>
@@ -3894,26 +3982,7 @@
                 <a:latin typeface="Courier New" pitchFamily="49" charset="0"/>
                 <a:cs typeface="Courier New" pitchFamily="49" charset="0"/>
               </a:rPr>
-              <a:t>  for {</a:t>
-            </a:r>
-          </a:p>
-          <a:p>
-            <a:pPr lvl="1">
-              <a:buNone/>
-            </a:pPr>
-            <a:r>
-              <a:rPr lang="en-US" sz="1400" dirty="0" smtClean="0">
-                <a:latin typeface="Courier New" pitchFamily="49" charset="0"/>
-                <a:cs typeface="Courier New" pitchFamily="49" charset="0"/>
-              </a:rPr>
-              <a:t>    c := </a:t>
-            </a:r>
-            <a:r>
-              <a:rPr lang="en-US" sz="1400" dirty="0" smtClean="0">
-                <a:latin typeface="Courier New" pitchFamily="49" charset="0"/>
-                <a:cs typeface="Courier New" pitchFamily="49" charset="0"/>
-              </a:rPr>
-              <a:t>&lt;-</a:t>
+              <a:t>    c := &lt;-</a:t>
             </a:r>
             <a:r>
               <a:rPr lang="en-US" sz="1400" dirty="0" err="1" smtClean="0">
@@ -3952,6 +4021,61 @@
               </a:rPr>
               <a:t> c</a:t>
             </a:r>
+          </a:p>
+          <a:p>
+            <a:pPr lvl="1">
+              <a:buNone/>
+            </a:pPr>
+            <a:r>
+              <a:rPr lang="en-US" sz="1400" dirty="0" smtClean="0">
+                <a:latin typeface="Courier New" pitchFamily="49" charset="0"/>
+                <a:cs typeface="Courier New" pitchFamily="49" charset="0"/>
+              </a:rPr>
+              <a:t>  }</a:t>
+            </a:r>
+          </a:p>
+          <a:p>
+            <a:pPr lvl="1">
+              <a:buNone/>
+            </a:pPr>
+            <a:r>
+              <a:rPr lang="en-US" sz="1400" dirty="0" smtClean="0">
+                <a:latin typeface="Courier New" pitchFamily="49" charset="0"/>
+                <a:cs typeface="Courier New" pitchFamily="49" charset="0"/>
+              </a:rPr>
+              <a:t>}</a:t>
+            </a:r>
+          </a:p>
+          <a:p>
+            <a:pPr lvl="1">
+              <a:buNone/>
+            </a:pPr>
+            <a:r>
+              <a:rPr lang="en-US" sz="1400" dirty="0" smtClean="0">
+                <a:latin typeface="Courier New" pitchFamily="49" charset="0"/>
+                <a:cs typeface="Courier New" pitchFamily="49" charset="0"/>
+              </a:rPr>
+              <a:t>go </a:t>
+            </a:r>
+            <a:r>
+              <a:rPr lang="en-US" sz="1400" dirty="0" err="1" smtClean="0">
+                <a:latin typeface="Courier New" pitchFamily="49" charset="0"/>
+                <a:cs typeface="Courier New" pitchFamily="49" charset="0"/>
+              </a:rPr>
+              <a:t>barbier</a:t>
+            </a:r>
+            <a:r>
+              <a:rPr lang="en-US" sz="1400" dirty="0" smtClean="0">
+                <a:latin typeface="Courier New" pitchFamily="49" charset="0"/>
+                <a:cs typeface="Courier New" pitchFamily="49" charset="0"/>
+              </a:rPr>
+              <a:t>()</a:t>
+            </a:r>
+          </a:p>
+          <a:p>
+            <a:pPr lvl="1">
+              <a:buNone/>
+            </a:pPr>
             <a:endParaRPr lang="en-US" sz="1400" dirty="0" smtClean="0">
               <a:latin typeface="Courier New" pitchFamily="49" charset="0"/>
               <a:cs typeface="Courier New" pitchFamily="49" charset="0"/>
@@ -3962,23 +4086,32 @@
               <a:buNone/>
             </a:pPr>
             <a:r>
+              <a:rPr lang="en-US" sz="1400" dirty="0" err="1" smtClean="0">
+                <a:latin typeface="Courier New" pitchFamily="49" charset="0"/>
+                <a:cs typeface="Courier New" pitchFamily="49" charset="0"/>
+              </a:rPr>
+              <a:t>func</a:t>
+            </a:r>
+            <a:r>
               <a:rPr lang="en-US" sz="1400" dirty="0" smtClean="0">
                 <a:latin typeface="Courier New" pitchFamily="49" charset="0"/>
                 <a:cs typeface="Courier New" pitchFamily="49" charset="0"/>
               </a:rPr>
-              <a:t>  }</a:t>
-            </a:r>
-          </a:p>
-          <a:p>
-            <a:pPr lvl="1">
-              <a:buNone/>
-            </a:pPr>
+              <a:t> (c Client) </a:t>
+            </a:r>
+            <a:r>
+              <a:rPr lang="en-US" sz="1400" dirty="0" err="1" smtClean="0">
+                <a:latin typeface="Courier New" pitchFamily="49" charset="0"/>
+                <a:cs typeface="Courier New" pitchFamily="49" charset="0"/>
+              </a:rPr>
+              <a:t>raser</a:t>
+            </a:r>
             <a:r>
               <a:rPr lang="en-US" sz="1400" dirty="0" smtClean="0">
                 <a:latin typeface="Courier New" pitchFamily="49" charset="0"/>
                 <a:cs typeface="Courier New" pitchFamily="49" charset="0"/>
               </a:rPr>
-              <a:t>}</a:t>
+              <a:t>() {</a:t>
             </a:r>
           </a:p>
           <a:p>
@@ -3990,159 +4123,45 @@
                 <a:latin typeface="Courier New" pitchFamily="49" charset="0"/>
                 <a:cs typeface="Courier New" pitchFamily="49" charset="0"/>
               </a:rPr>
-              <a:t>go </a:t>
+              <a:t>  select {</a:t>
+            </a:r>
+          </a:p>
+          <a:p>
+            <a:pPr lvl="1">
+              <a:buNone/>
+            </a:pPr>
+            <a:r>
+              <a:rPr lang="en-US" sz="1400" dirty="0" smtClean="0">
+                <a:latin typeface="Courier New" pitchFamily="49" charset="0"/>
+                <a:cs typeface="Courier New" pitchFamily="49" charset="0"/>
+              </a:rPr>
+              <a:t>  	case </a:t>
             </a:r>
             <a:r>
               <a:rPr lang="en-US" sz="1400" dirty="0" err="1" smtClean="0">
                 <a:latin typeface="Courier New" pitchFamily="49" charset="0"/>
                 <a:cs typeface="Courier New" pitchFamily="49" charset="0"/>
               </a:rPr>
-              <a:t>barbier</a:t>
+              <a:t>sièges</a:t>
             </a:r>
             <a:r>
               <a:rPr lang="en-US" sz="1400" dirty="0" smtClean="0">
                 <a:latin typeface="Courier New" pitchFamily="49" charset="0"/>
                 <a:cs typeface="Courier New" pitchFamily="49" charset="0"/>
               </a:rPr>
-              <a:t>()</a:t>
-            </a:r>
-            <a:endParaRPr lang="en-US" sz="1400" dirty="0" smtClean="0">
-              <a:latin typeface="Courier New" pitchFamily="49" charset="0"/>
-              <a:cs typeface="Courier New" pitchFamily="49" charset="0"/>
-            </a:endParaRPr>
-          </a:p>
-          <a:p>
-            <a:pPr lvl="1">
-              <a:buNone/>
-            </a:pPr>
-            <a:endParaRPr lang="en-US" sz="1400" dirty="0" smtClean="0">
-              <a:latin typeface="Courier New" pitchFamily="49" charset="0"/>
-              <a:cs typeface="Courier New" pitchFamily="49" charset="0"/>
-            </a:endParaRPr>
-          </a:p>
-          <a:p>
-            <a:pPr lvl="1">
-              <a:buNone/>
-            </a:pPr>
-            <a:r>
-              <a:rPr lang="en-US" sz="1400" dirty="0" err="1" smtClean="0">
-                <a:latin typeface="Courier New" pitchFamily="49" charset="0"/>
-                <a:cs typeface="Courier New" pitchFamily="49" charset="0"/>
-              </a:rPr>
-              <a:t>func</a:t>
-            </a:r>
+              <a:t> &lt;- c:</a:t>
+            </a:r>
+          </a:p>
+          <a:p>
+            <a:pPr lvl="1">
+              <a:buNone/>
+            </a:pPr>
             <a:r>
               <a:rPr lang="en-US" sz="1400" dirty="0" smtClean="0">
                 <a:latin typeface="Courier New" pitchFamily="49" charset="0"/>
                 <a:cs typeface="Courier New" pitchFamily="49" charset="0"/>
               </a:rPr>
-              <a:t> (c </a:t>
-            </a:r>
-            <a:r>
-              <a:rPr lang="en-US" sz="1400" dirty="0" smtClean="0">
-                <a:latin typeface="Courier New" pitchFamily="49" charset="0"/>
-                <a:cs typeface="Courier New" pitchFamily="49" charset="0"/>
-              </a:rPr>
-              <a:t>Client) </a:t>
-            </a:r>
-            <a:r>
-              <a:rPr lang="en-US" sz="1400" dirty="0" err="1" smtClean="0">
-                <a:latin typeface="Courier New" pitchFamily="49" charset="0"/>
-                <a:cs typeface="Courier New" pitchFamily="49" charset="0"/>
-              </a:rPr>
-              <a:t>raser</a:t>
-            </a:r>
-            <a:r>
-              <a:rPr lang="en-US" sz="1400" dirty="0" smtClean="0">
-                <a:latin typeface="Courier New" pitchFamily="49" charset="0"/>
-                <a:cs typeface="Courier New" pitchFamily="49" charset="0"/>
-              </a:rPr>
-              <a:t>() </a:t>
-            </a:r>
-            <a:r>
-              <a:rPr lang="en-US" sz="1400" dirty="0" smtClean="0">
-                <a:latin typeface="Courier New" pitchFamily="49" charset="0"/>
-                <a:cs typeface="Courier New" pitchFamily="49" charset="0"/>
-              </a:rPr>
-              <a:t>{</a:t>
-            </a:r>
-          </a:p>
-          <a:p>
-            <a:pPr lvl="1">
-              <a:buNone/>
-            </a:pPr>
-            <a:r>
-              <a:rPr lang="en-US" sz="1400" dirty="0" smtClean="0">
-                <a:latin typeface="Courier New" pitchFamily="49" charset="0"/>
-                <a:cs typeface="Courier New" pitchFamily="49" charset="0"/>
-              </a:rPr>
-              <a:t>  select {</a:t>
-            </a:r>
-          </a:p>
-          <a:p>
-            <a:pPr lvl="1">
-              <a:buNone/>
-            </a:pPr>
-            <a:r>
-              <a:rPr lang="en-US" sz="1400" dirty="0" smtClean="0">
-                <a:latin typeface="Courier New" pitchFamily="49" charset="0"/>
-                <a:cs typeface="Courier New" pitchFamily="49" charset="0"/>
-              </a:rPr>
-              <a:t>  </a:t>
-            </a:r>
-            <a:r>
-              <a:rPr lang="en-US" sz="1400" dirty="0" smtClean="0">
-                <a:latin typeface="Courier New" pitchFamily="49" charset="0"/>
-                <a:cs typeface="Courier New" pitchFamily="49" charset="0"/>
-              </a:rPr>
-              <a:t>	case </a:t>
-            </a:r>
-            <a:r>
-              <a:rPr lang="en-US" sz="1400" dirty="0" err="1" smtClean="0">
-                <a:latin typeface="Courier New" pitchFamily="49" charset="0"/>
-                <a:cs typeface="Courier New" pitchFamily="49" charset="0"/>
-              </a:rPr>
-              <a:t>sièges</a:t>
-            </a:r>
-            <a:r>
-              <a:rPr lang="en-US" sz="1400" dirty="0" smtClean="0">
-                <a:latin typeface="Courier New" pitchFamily="49" charset="0"/>
-                <a:cs typeface="Courier New" pitchFamily="49" charset="0"/>
-              </a:rPr>
-              <a:t> &lt;- </a:t>
-            </a:r>
-            <a:r>
-              <a:rPr lang="en-US" sz="1400" dirty="0" smtClean="0">
-                <a:latin typeface="Courier New" pitchFamily="49" charset="0"/>
-                <a:cs typeface="Courier New" pitchFamily="49" charset="0"/>
-              </a:rPr>
-              <a:t>c:</a:t>
-            </a:r>
-          </a:p>
-          <a:p>
-            <a:pPr lvl="1">
-              <a:buNone/>
-            </a:pPr>
-            <a:r>
-              <a:rPr lang="en-US" sz="1400" dirty="0" smtClean="0">
-                <a:latin typeface="Courier New" pitchFamily="49" charset="0"/>
-                <a:cs typeface="Courier New" pitchFamily="49" charset="0"/>
-              </a:rPr>
-              <a:t>  </a:t>
-            </a:r>
-            <a:r>
-              <a:rPr lang="en-US" sz="1400" dirty="0" smtClean="0">
-                <a:latin typeface="Courier New" pitchFamily="49" charset="0"/>
-                <a:cs typeface="Courier New" pitchFamily="49" charset="0"/>
-              </a:rPr>
-              <a:t>	default</a:t>
-            </a:r>
-            <a:r>
-              <a:rPr lang="en-US" sz="1400" dirty="0" smtClean="0">
-                <a:latin typeface="Courier New" pitchFamily="49" charset="0"/>
-                <a:cs typeface="Courier New" pitchFamily="49" charset="0"/>
-              </a:rPr>
-              <a:t>:</a:t>
+              <a:t>  	default:</a:t>
             </a:r>
           </a:p>
           <a:p>
@@ -4215,7 +4234,6 @@
               <a:rPr lang="en-US" sz="1400" dirty="0" smtClean="0"/>
               <a:t>!</a:t>
             </a:r>
-            <a:endParaRPr lang="en-US" sz="1400" dirty="0" smtClean="0"/>
           </a:p>
         </p:txBody>
       </p:sp>
@@ -4262,22 +4280,52 @@
           <a:lstStyle/>
           <a:p>
             <a:r>
-              <a:rPr lang="fr-FR" sz="3200" dirty="0" smtClean="0"/>
+              <a:rPr lang="fr-FR" sz="3200" dirty="0" smtClean="0">
+                <a:solidFill>
+                  <a:schemeClr val="accent1">
+                    <a:lumMod val="75000"/>
+                  </a:schemeClr>
+                </a:solidFill>
+              </a:rPr>
               <a:t>Exemple : </a:t>
             </a:r>
             <a:r>
-              <a:rPr lang="fr-FR" sz="3200" i="1" dirty="0" err="1" smtClean="0"/>
+              <a:rPr lang="fr-FR" sz="3200" i="1" dirty="0" err="1" smtClean="0">
+                <a:solidFill>
+                  <a:schemeClr val="accent1">
+                    <a:lumMod val="75000"/>
+                  </a:schemeClr>
+                </a:solidFill>
+              </a:rPr>
               <a:t>pooling</a:t>
             </a:r>
             <a:r>
-              <a:rPr lang="fr-FR" sz="3200" i="1" dirty="0" smtClean="0"/>
+              <a:rPr lang="fr-FR" sz="3200" i="1" dirty="0" smtClean="0">
+                <a:solidFill>
+                  <a:schemeClr val="accent1">
+                    <a:lumMod val="75000"/>
+                  </a:schemeClr>
+                </a:solidFill>
+              </a:rPr>
               <a:t> (scrutation)</a:t>
             </a:r>
             <a:r>
-              <a:rPr lang="fr-FR" sz="3200" dirty="0" smtClean="0"/>
+              <a:rPr lang="fr-FR" sz="3200" dirty="0" smtClean="0">
+                <a:solidFill>
+                  <a:schemeClr val="accent1">
+                    <a:lumMod val="75000"/>
+                  </a:schemeClr>
+                </a:solidFill>
+              </a:rPr>
               <a:t> de ressources</a:t>
             </a:r>
-            <a:endParaRPr lang="fr-FR" sz="3200" dirty="0"/>
+            <a:endParaRPr lang="fr-FR" sz="3200" dirty="0">
+              <a:solidFill>
+                <a:schemeClr val="accent1">
+                  <a:lumMod val="75000"/>
+                </a:schemeClr>
+              </a:solidFill>
+            </a:endParaRPr>
           </a:p>
         </p:txBody>
       </p:sp>
@@ -4311,7 +4359,15 @@
             </a:r>
             <a:r>
               <a:rPr lang="en-US" dirty="0" smtClean="0"/>
-              <a:t> de pooling </a:t>
+              <a:t> de </a:t>
+            </a:r>
+            <a:r>
+              <a:rPr lang="en-US" i="1" dirty="0" smtClean="0"/>
+              <a:t>pooling</a:t>
+            </a:r>
+            <a:r>
+              <a:rPr lang="en-US" dirty="0" smtClean="0"/>
+              <a:t> </a:t>
             </a:r>
             <a:r>
               <a:rPr lang="en-US" dirty="0" err="1" smtClean="0"/>
@@ -4321,10 +4377,6 @@
               <a:rPr lang="en-US" dirty="0" smtClean="0"/>
               <a:t> </a:t>
             </a:r>
-            <a:r>
-              <a:rPr lang="en-US" dirty="0" smtClean="0"/>
-              <a:t/>
-            </a:r>
             <a:br>
               <a:rPr lang="en-US" dirty="0" smtClean="0"/>
             </a:br>
@@ -4491,10 +4543,6 @@
             <a:r>
               <a:rPr lang="en-US" dirty="0" smtClean="0"/>
               <a:t>?</a:t>
-            </a:r>
-            <a:r>
-              <a:rPr lang="en-US" dirty="0" smtClean="0"/>
-              <a:t/>
             </a:r>
             <a:br>
               <a:rPr lang="en-US" dirty="0" smtClean="0"/>
@@ -4576,18 +4624,42 @@
           <a:lstStyle/>
           <a:p>
             <a:r>
-              <a:rPr lang="fr-FR" dirty="0" smtClean="0"/>
+              <a:rPr lang="fr-FR" dirty="0" smtClean="0">
+                <a:solidFill>
+                  <a:schemeClr val="accent1">
+                    <a:lumMod val="75000"/>
+                  </a:schemeClr>
+                </a:solidFill>
+              </a:rPr>
               <a:t>Exemple : </a:t>
             </a:r>
             <a:r>
-              <a:rPr lang="fr-FR" i="1" dirty="0" err="1" smtClean="0"/>
+              <a:rPr lang="fr-FR" i="1" dirty="0" err="1" smtClean="0">
+                <a:solidFill>
+                  <a:schemeClr val="accent1">
+                    <a:lumMod val="75000"/>
+                  </a:schemeClr>
+                </a:solidFill>
+              </a:rPr>
               <a:t>pooling</a:t>
             </a:r>
             <a:r>
-              <a:rPr lang="fr-FR" dirty="0" smtClean="0"/>
+              <a:rPr lang="fr-FR" dirty="0" smtClean="0">
+                <a:solidFill>
+                  <a:schemeClr val="accent1">
+                    <a:lumMod val="75000"/>
+                  </a:schemeClr>
+                </a:solidFill>
+              </a:rPr>
               <a:t> de ressources (suite)</a:t>
             </a:r>
-            <a:endParaRPr lang="fr-FR" dirty="0"/>
+            <a:endParaRPr lang="fr-FR" dirty="0">
+              <a:solidFill>
+                <a:schemeClr val="accent1">
+                  <a:lumMod val="75000"/>
+                </a:schemeClr>
+              </a:solidFill>
+            </a:endParaRPr>
           </a:p>
         </p:txBody>
       </p:sp>
@@ -4613,11 +4685,19 @@
             </a:pPr>
             <a:r>
               <a:rPr lang="en-US" dirty="0" smtClean="0"/>
-              <a:t>The solution is </a:t>
-            </a:r>
-            <a:r>
-              <a:rPr lang="en-US" dirty="0" smtClean="0"/>
-              <a:t>just</a:t>
+              <a:t>La solution </a:t>
+            </a:r>
+            <a:r>
+              <a:rPr lang="en-US" dirty="0" err="1" smtClean="0"/>
+              <a:t>est</a:t>
+            </a:r>
+            <a:r>
+              <a:rPr lang="en-US" dirty="0" smtClean="0"/>
+              <a:t> </a:t>
+            </a:r>
+            <a:r>
+              <a:rPr lang="en-US" dirty="0" err="1" smtClean="0"/>
+              <a:t>juste</a:t>
             </a:r>
             <a:r>
               <a:rPr lang="en-US" dirty="0" smtClean="0"/>
@@ -4651,7 +4731,21 @@
                 <a:latin typeface="Courier New" pitchFamily="49" charset="0"/>
                 <a:cs typeface="Courier New" pitchFamily="49" charset="0"/>
               </a:rPr>
-              <a:t> *Resource, 100)</a:t>
+              <a:t> *</a:t>
+            </a:r>
+            <a:r>
+              <a:rPr lang="en-US" dirty="0" err="1" smtClean="0">
+                <a:latin typeface="Courier New" pitchFamily="49" charset="0"/>
+                <a:cs typeface="Courier New" pitchFamily="49" charset="0"/>
+              </a:rPr>
+              <a:t>Ressource</a:t>
+            </a:r>
+            <a:r>
+              <a:rPr lang="en-US" dirty="0" smtClean="0">
+                <a:latin typeface="Courier New" pitchFamily="49" charset="0"/>
+                <a:cs typeface="Courier New" pitchFamily="49" charset="0"/>
+              </a:rPr>
+              <a:t>, 100)</a:t>
             </a:r>
           </a:p>
           <a:p>
@@ -4686,14 +4780,21 @@
                 <a:latin typeface="Courier New" pitchFamily="49" charset="0"/>
                 <a:cs typeface="Courier New" pitchFamily="49" charset="0"/>
               </a:rPr>
-              <a:t>nonblocking</a:t>
+              <a:t>nonbloquant</a:t>
             </a:r>
             <a:r>
               <a:rPr lang="en-US" dirty="0" smtClean="0">
                 <a:latin typeface="Courier New" pitchFamily="49" charset="0"/>
                 <a:cs typeface="Courier New" pitchFamily="49" charset="0"/>
               </a:rPr>
-              <a:t>] send.</a:t>
+              <a:t>] </a:t>
+            </a:r>
+            <a:r>
+              <a:rPr lang="en-US" dirty="0" smtClean="0">
+                <a:latin typeface="Courier New" pitchFamily="49" charset="0"/>
+                <a:cs typeface="Courier New" pitchFamily="49" charset="0"/>
+              </a:rPr>
+              <a:t>send.</a:t>
             </a:r>
             <a:endParaRPr lang="en-US" b="1" dirty="0" smtClean="0">
               <a:latin typeface="Courier New" pitchFamily="49" charset="0"/>
@@ -4723,7 +4824,7 @@
                 <a:latin typeface="Courier New" pitchFamily="49" charset="0"/>
                 <a:cs typeface="Courier New" pitchFamily="49" charset="0"/>
               </a:rPr>
-              <a:t>nonblocking</a:t>
+              <a:t>nonbloquant</a:t>
             </a:r>
             <a:r>
               <a:rPr lang="en-US" dirty="0" smtClean="0">
@@ -4783,21 +4884,17 @@
             </a:r>
             <a:r>
               <a:rPr lang="en-US" dirty="0" smtClean="0"/>
+              <a:t> encore </a:t>
+            </a:r>
+            <a:r>
+              <a:rPr lang="en-US" dirty="0" err="1" smtClean="0"/>
+              <a:t>une</a:t>
+            </a:r>
+            <a:r>
+              <a:rPr lang="en-US" dirty="0" smtClean="0"/>
               <a:t> </a:t>
             </a:r>
             <a:r>
-              <a:rPr lang="en-US" dirty="0" smtClean="0"/>
-              <a:t>encore </a:t>
-            </a:r>
-            <a:r>
-              <a:rPr lang="en-US" dirty="0" err="1" smtClean="0"/>
-              <a:t>une</a:t>
-            </a:r>
-            <a:r>
-              <a:rPr lang="en-US" dirty="0" smtClean="0"/>
-              <a:t> </a:t>
-            </a:r>
-            <a:r>
               <a:rPr lang="en-US" dirty="0" err="1" smtClean="0"/>
               <a:t>fois</a:t>
             </a:r>
@@ -4805,7 +4902,6 @@
               <a:rPr lang="en-US" dirty="0" smtClean="0"/>
               <a:t>!</a:t>
             </a:r>
-            <a:endParaRPr lang="en-US" dirty="0" smtClean="0"/>
           </a:p>
           <a:p>
             <a:pPr>
@@ -4852,11 +4948,7 @@
             </a:pPr>
             <a:r>
               <a:rPr lang="en-US" i="1" dirty="0" smtClean="0"/>
-              <a:t>	</a:t>
-            </a:r>
-            <a:r>
-              <a:rPr lang="en-US" i="1" dirty="0" smtClean="0"/>
-              <a:t>Go rend les </a:t>
+              <a:t>	Go rend les </a:t>
             </a:r>
             <a:r>
               <a:rPr lang="en-US" i="1" dirty="0" err="1" smtClean="0"/>
@@ -4889,11 +4981,7 @@
             </a:pPr>
             <a:r>
               <a:rPr lang="en-US" i="1" dirty="0" smtClean="0"/>
-              <a:t>	</a:t>
-            </a:r>
-            <a:r>
-              <a:rPr lang="en-US" i="1" dirty="0" smtClean="0"/>
-              <a:t>Merci… </a:t>
+              <a:t>	Merci… </a:t>
             </a:r>
             <a:endParaRPr lang="en-US" dirty="0"/>
           </a:p>
@@ -4942,10 +5030,22 @@
           <a:lstStyle/>
           <a:p>
             <a:r>
-              <a:rPr lang="fr-FR" sz="3600" dirty="0" smtClean="0"/>
+              <a:rPr lang="fr-FR" sz="3600" dirty="0" smtClean="0">
+                <a:solidFill>
+                  <a:schemeClr val="accent1">
+                    <a:lumMod val="75000"/>
+                  </a:schemeClr>
+                </a:solidFill>
+              </a:rPr>
               <a:t>Exemple : programmation orientée acteurs</a:t>
             </a:r>
-            <a:endParaRPr lang="fr-FR" sz="3600" dirty="0"/>
+            <a:endParaRPr lang="fr-FR" sz="3600" dirty="0">
+              <a:solidFill>
+                <a:schemeClr val="accent1">
+                  <a:lumMod val="75000"/>
+                </a:schemeClr>
+              </a:solidFill>
+            </a:endParaRPr>
           </a:p>
         </p:txBody>
       </p:sp>
@@ -5073,13 +5173,6 @@
               </a:rPr>
               <a:t>}</a:t>
             </a:r>
-            <a:r>
-              <a:rPr lang="fr-FR" sz="6400" dirty="0" smtClean="0">
-                <a:latin typeface="Courier New" pitchFamily="49" charset="0"/>
-                <a:cs typeface="Courier New" pitchFamily="49" charset="0"/>
-              </a:rPr>
-              <a:t/>
-            </a:r>
             <a:br>
               <a:rPr lang="fr-FR" sz="6400" dirty="0" smtClean="0">
                 <a:latin typeface="Courier New" pitchFamily="49" charset="0"/>
@@ -5208,14 +5301,7 @@
                 <a:latin typeface="Courier New" pitchFamily="49" charset="0"/>
                 <a:cs typeface="Courier New" pitchFamily="49" charset="0"/>
               </a:rPr>
-              <a:t>interface</a:t>
-            </a:r>
-            <a:r>
-              <a:rPr lang="fr-FR" sz="6400" b="1" dirty="0" smtClean="0">
-                <a:latin typeface="Courier New" pitchFamily="49" charset="0"/>
-                <a:cs typeface="Courier New" pitchFamily="49" charset="0"/>
-              </a:rPr>
-              <a:t>{}</a:t>
+              <a:t>interface{}</a:t>
             </a:r>
             <a:r>
               <a:rPr lang="fr-FR" sz="6400" dirty="0" smtClean="0">
@@ -5223,13 +5309,6 @@
                 <a:cs typeface="Courier New" pitchFamily="49" charset="0"/>
               </a:rPr>
               <a:t>)</a:t>
-            </a:r>
-            <a:r>
-              <a:rPr lang="fr-FR" sz="6400" dirty="0" smtClean="0">
-                <a:latin typeface="Courier New" pitchFamily="49" charset="0"/>
-                <a:cs typeface="Courier New" pitchFamily="49" charset="0"/>
-              </a:rPr>
-              <a:t/>
             </a:r>
             <a:br>
               <a:rPr lang="fr-FR" sz="6400" dirty="0" smtClean="0">
@@ -5513,21 +5592,41 @@
           <a:lstStyle/>
           <a:p>
             <a:r>
-              <a:rPr lang="fr-FR" sz="3600" dirty="0" smtClean="0"/>
-              <a:t>Exemple : programmation orientée </a:t>
-            </a:r>
-            <a:r>
-              <a:rPr lang="fr-FR" sz="3600" dirty="0" smtClean="0"/>
-              <a:t>acteurs </a:t>
+              <a:rPr lang="fr-FR" sz="3600" dirty="0" smtClean="0">
+                <a:solidFill>
+                  <a:schemeClr val="accent1">
+                    <a:lumMod val="75000"/>
+                  </a:schemeClr>
+                </a:solidFill>
+              </a:rPr>
+              <a:t>Exemple : programmation orientée acteurs </a:t>
             </a:r>
             <a:br>
-              <a:rPr lang="fr-FR" sz="3600" dirty="0" smtClean="0"/>
+              <a:rPr lang="fr-FR" sz="3600" dirty="0" smtClean="0">
+                <a:solidFill>
+                  <a:schemeClr val="accent1">
+                    <a:lumMod val="75000"/>
+                  </a:schemeClr>
+                </a:solidFill>
+              </a:rPr>
             </a:br>
             <a:r>
-              <a:rPr lang="fr-FR" sz="3600" dirty="0" smtClean="0"/>
+              <a:rPr lang="fr-FR" sz="3600" dirty="0" smtClean="0">
+                <a:solidFill>
+                  <a:schemeClr val="accent1">
+                    <a:lumMod val="75000"/>
+                  </a:schemeClr>
+                </a:solidFill>
+              </a:rPr>
               <a:t>(suite)</a:t>
             </a:r>
-            <a:endParaRPr lang="fr-FR" sz="3600" dirty="0"/>
+            <a:endParaRPr lang="fr-FR" sz="3600" dirty="0">
+              <a:solidFill>
+                <a:schemeClr val="accent1">
+                  <a:lumMod val="75000"/>
+                </a:schemeClr>
+              </a:solidFill>
+            </a:endParaRPr>
           </a:p>
         </p:txBody>
       </p:sp>
@@ -5565,49 +5664,35 @@
                 <a:latin typeface="Courier New" pitchFamily="49" charset="0"/>
                 <a:cs typeface="Courier New" pitchFamily="49" charset="0"/>
               </a:rPr>
-              <a:t>c </a:t>
+              <a:t>c &lt;- </a:t>
+            </a:r>
+            <a:r>
+              <a:rPr lang="en-US" b="1" dirty="0" err="1" smtClean="0">
+                <a:latin typeface="Courier New" pitchFamily="49" charset="0"/>
+                <a:cs typeface="Courier New" pitchFamily="49" charset="0"/>
+              </a:rPr>
+              <a:t>WriteReq</a:t>
             </a:r>
             <a:r>
               <a:rPr lang="en-US" dirty="0" smtClean="0">
                 <a:latin typeface="Courier New" pitchFamily="49" charset="0"/>
                 <a:cs typeface="Courier New" pitchFamily="49" charset="0"/>
               </a:rPr>
-              <a:t>&lt;- </a:t>
-            </a:r>
-            <a:r>
-              <a:rPr lang="en-US" b="1" dirty="0" err="1" smtClean="0">
-                <a:latin typeface="Courier New" pitchFamily="49" charset="0"/>
-                <a:cs typeface="Courier New" pitchFamily="49" charset="0"/>
-              </a:rPr>
-              <a:t>WriteReq</a:t>
+              <a:t>{"</a:t>
+            </a:r>
+            <a:r>
+              <a:rPr lang="en-US" dirty="0" err="1" smtClean="0">
+                <a:latin typeface="Courier New" pitchFamily="49" charset="0"/>
+                <a:cs typeface="Courier New" pitchFamily="49" charset="0"/>
+              </a:rPr>
+              <a:t>foo</a:t>
             </a:r>
             <a:r>
               <a:rPr lang="en-US" dirty="0" smtClean="0">
                 <a:latin typeface="Courier New" pitchFamily="49" charset="0"/>
                 <a:cs typeface="Courier New" pitchFamily="49" charset="0"/>
               </a:rPr>
-              <a:t>{"</a:t>
-            </a:r>
-            <a:r>
-              <a:rPr lang="en-US" dirty="0" err="1" smtClean="0">
-                <a:latin typeface="Courier New" pitchFamily="49" charset="0"/>
-                <a:cs typeface="Courier New" pitchFamily="49" charset="0"/>
-              </a:rPr>
-              <a:t>foo</a:t>
-            </a:r>
-            <a:r>
-              <a:rPr lang="en-US" dirty="0" smtClean="0">
-                <a:latin typeface="Courier New" pitchFamily="49" charset="0"/>
-                <a:cs typeface="Courier New" pitchFamily="49" charset="0"/>
-              </a:rPr>
-              <a:t>", "bar</a:t>
-            </a:r>
-            <a:r>
-              <a:rPr lang="en-US" dirty="0" smtClean="0">
-                <a:latin typeface="Courier New" pitchFamily="49" charset="0"/>
-                <a:cs typeface="Courier New" pitchFamily="49" charset="0"/>
-              </a:rPr>
-              <a:t>"}</a:t>
+              <a:t>", "bar"}</a:t>
             </a:r>
           </a:p>
           <a:p>
@@ -5834,10 +5919,52 @@
           <a:lstStyle/>
           <a:p>
             <a:r>
-              <a:rPr lang="fr-FR" dirty="0" smtClean="0"/>
-              <a:t>Exemple : pool de threads</a:t>
-            </a:r>
-            <a:endParaRPr lang="fr-FR" dirty="0"/>
+              <a:rPr lang="fr-FR" dirty="0" smtClean="0">
+                <a:solidFill>
+                  <a:schemeClr val="accent1">
+                    <a:lumMod val="75000"/>
+                  </a:schemeClr>
+                </a:solidFill>
+              </a:rPr>
+              <a:t>Exemple : </a:t>
+            </a:r>
+            <a:r>
+              <a:rPr lang="fr-FR" i="1" dirty="0" smtClean="0">
+                <a:solidFill>
+                  <a:schemeClr val="accent1">
+                    <a:lumMod val="75000"/>
+                  </a:schemeClr>
+                </a:solidFill>
+              </a:rPr>
+              <a:t>pool</a:t>
+            </a:r>
+            <a:r>
+              <a:rPr lang="fr-FR" dirty="0" smtClean="0">
+                <a:solidFill>
+                  <a:schemeClr val="accent1">
+                    <a:lumMod val="75000"/>
+                  </a:schemeClr>
+                </a:solidFill>
+              </a:rPr>
+              <a:t> de </a:t>
+            </a:r>
+            <a:r>
+              <a:rPr lang="fr-FR" i="1" dirty="0" smtClean="0">
+                <a:solidFill>
+                  <a:schemeClr val="accent1">
+                    <a:lumMod val="75000"/>
+                  </a:schemeClr>
+                </a:solidFill>
+              </a:rPr>
+              <a:t>threads</a:t>
+            </a:r>
+            <a:endParaRPr lang="fr-FR" i="1" dirty="0">
+              <a:solidFill>
+                <a:schemeClr val="accent1">
+                  <a:lumMod val="75000"/>
+                </a:schemeClr>
+              </a:solidFill>
+            </a:endParaRPr>
           </a:p>
         </p:txBody>
       </p:sp>
@@ -5951,22 +6078,52 @@
           <a:lstStyle/>
           <a:p>
             <a:r>
-              <a:rPr lang="fr-FR" sz="3200" dirty="0" smtClean="0"/>
+              <a:rPr lang="fr-FR" sz="3200" dirty="0" smtClean="0">
+                <a:solidFill>
+                  <a:schemeClr val="accent1">
+                    <a:lumMod val="75000"/>
+                  </a:schemeClr>
+                </a:solidFill>
+              </a:rPr>
               <a:t>Pourquoi est-ce du </a:t>
             </a:r>
             <a:r>
-              <a:rPr lang="fr-FR" sz="3200" i="1" dirty="0" smtClean="0"/>
+              <a:rPr lang="fr-FR" sz="3200" i="1" dirty="0" smtClean="0">
+                <a:solidFill>
+                  <a:schemeClr val="accent1">
+                    <a:lumMod val="75000"/>
+                  </a:schemeClr>
+                </a:solidFill>
+              </a:rPr>
               <a:t>CSP(</a:t>
             </a:r>
             <a:r>
-              <a:rPr lang="fr-FR" sz="3200" i="1" dirty="0" err="1" smtClean="0"/>
+              <a:rPr lang="fr-FR" sz="3200" i="1" dirty="0" err="1" smtClean="0">
+                <a:solidFill>
+                  <a:schemeClr val="accent1">
+                    <a:lumMod val="75000"/>
+                  </a:schemeClr>
+                </a:solidFill>
+              </a:rPr>
               <a:t>Hoare</a:t>
             </a:r>
             <a:r>
-              <a:rPr lang="fr-FR" sz="3200" dirty="0" smtClean="0"/>
+              <a:rPr lang="fr-FR" sz="3200" dirty="0" smtClean="0">
+                <a:solidFill>
+                  <a:schemeClr val="accent1">
+                    <a:lumMod val="75000"/>
+                  </a:schemeClr>
+                </a:solidFill>
+              </a:rPr>
               <a:t>) pur ne va pas?</a:t>
             </a:r>
-            <a:endParaRPr lang="fr-FR" sz="3200" dirty="0"/>
+            <a:endParaRPr lang="fr-FR" sz="3200" dirty="0">
+              <a:solidFill>
+                <a:schemeClr val="accent1">
+                  <a:lumMod val="75000"/>
+                </a:schemeClr>
+              </a:solidFill>
+            </a:endParaRPr>
           </a:p>
         </p:txBody>
       </p:sp>
@@ -5993,10 +6150,6 @@
             <a:r>
               <a:rPr lang="fr-FR" sz="3600" dirty="0" smtClean="0"/>
               <a:t>Allocation de mémoire dans un style CSP:</a:t>
-            </a:r>
-            <a:r>
-              <a:rPr lang="fr-FR" sz="3600" dirty="0" smtClean="0"/>
-              <a:t/>
             </a:r>
             <a:br>
               <a:rPr lang="fr-FR" sz="3600" dirty="0" smtClean="0"/>
@@ -6300,37 +6453,71 @@
           <a:lstStyle/>
           <a:p>
             <a:r>
-              <a:rPr lang="fr-FR" dirty="0" smtClean="0"/>
+              <a:rPr lang="fr-FR" dirty="0" smtClean="0">
+                <a:solidFill>
+                  <a:schemeClr val="accent1">
+                    <a:lumMod val="75000"/>
+                  </a:schemeClr>
+                </a:solidFill>
+              </a:rPr>
               <a:t>Pourquoi est-ce du </a:t>
             </a:r>
             <a:r>
-              <a:rPr lang="fr-FR" i="1" dirty="0" err="1" smtClean="0"/>
-              <a:t>CSP</a:t>
-            </a:r>
-            <a:r>
-              <a:rPr lang="fr-FR" dirty="0" err="1" smtClean="0"/>
-              <a:t>pur</a:t>
-            </a:r>
-            <a:r>
-              <a:rPr lang="fr-FR" dirty="0" smtClean="0"/>
-              <a:t> </a:t>
-            </a:r>
-            <a:r>
-              <a:rPr lang="fr-FR" dirty="0" smtClean="0"/>
-              <a:t>ne va pas</a:t>
-            </a:r>
-            <a:r>
-              <a:rPr lang="fr-FR" dirty="0" smtClean="0"/>
-              <a:t>? </a:t>
+              <a:rPr lang="fr-FR" i="1" dirty="0" smtClean="0">
+                <a:solidFill>
+                  <a:schemeClr val="accent1">
+                    <a:lumMod val="75000"/>
+                  </a:schemeClr>
+                </a:solidFill>
+              </a:rPr>
+              <a:t>CSP </a:t>
+            </a:r>
+            <a:r>
+              <a:rPr lang="fr-FR" dirty="0" smtClean="0">
+                <a:solidFill>
+                  <a:schemeClr val="accent1">
+                    <a:lumMod val="75000"/>
+                  </a:schemeClr>
+                </a:solidFill>
+              </a:rPr>
+              <a:t>pur </a:t>
+            </a:r>
+            <a:r>
+              <a:rPr lang="fr-FR" dirty="0" smtClean="0">
+                <a:solidFill>
+                  <a:schemeClr val="accent1">
+                    <a:lumMod val="75000"/>
+                  </a:schemeClr>
+                </a:solidFill>
+              </a:rPr>
+              <a:t>ne va pas? </a:t>
             </a:r>
             <a:br>
-              <a:rPr lang="fr-FR" dirty="0" smtClean="0"/>
+              <a:rPr lang="fr-FR" dirty="0" smtClean="0">
+                <a:solidFill>
+                  <a:schemeClr val="accent1">
+                    <a:lumMod val="75000"/>
+                  </a:schemeClr>
+                </a:solidFill>
+              </a:rPr>
             </a:br>
             <a:r>
-              <a:rPr lang="fr-FR" dirty="0" smtClean="0"/>
+              <a:rPr lang="fr-FR" dirty="0" smtClean="0">
+                <a:solidFill>
+                  <a:schemeClr val="accent1">
+                    <a:lumMod val="75000"/>
+                  </a:schemeClr>
+                </a:solidFill>
+              </a:rPr>
               <a:t>(suite)</a:t>
             </a:r>
-            <a:endParaRPr lang="fr-FR" dirty="0"/>
+            <a:endParaRPr lang="fr-FR" dirty="0">
+              <a:solidFill>
+                <a:schemeClr val="accent1">
+                  <a:lumMod val="75000"/>
+                </a:schemeClr>
+              </a:solidFill>
+            </a:endParaRPr>
           </a:p>
         </p:txBody>
       </p:sp>
@@ -6356,11 +6543,15 @@
             </a:pPr>
             <a:r>
               <a:rPr lang="fr-FR" sz="1800" dirty="0" smtClean="0"/>
-              <a:t>Certains codes ne sont pas différents!</a:t>
+              <a:t>Certains </a:t>
             </a:r>
             <a:r>
               <a:rPr lang="fr-FR" sz="1800" dirty="0" smtClean="0"/>
-              <a:t/>
+              <a:t>programmes écrits ne </a:t>
+            </a:r>
+            <a:r>
+              <a:rPr lang="fr-FR" sz="1800" dirty="0" smtClean="0"/>
+              <a:t>sont pas différents!</a:t>
             </a:r>
             <a:br>
               <a:rPr lang="fr-FR" sz="1800" dirty="0" smtClean="0"/>
@@ -6589,13 +6780,6 @@
                 <a:cs typeface="Courier New" pitchFamily="49" charset="0"/>
               </a:rPr>
               <a:t>}()</a:t>
-            </a:r>
-            <a:r>
-              <a:rPr lang="fr-FR" sz="1600" dirty="0" smtClean="0">
-                <a:latin typeface="Courier New" pitchFamily="49" charset="0"/>
-                <a:cs typeface="Courier New" pitchFamily="49" charset="0"/>
-              </a:rPr>
-              <a:t/>
             </a:r>
             <a:br>
               <a:rPr lang="fr-FR" sz="1600" dirty="0" smtClean="0">
@@ -6747,10 +6931,22 @@
           <a:lstStyle/>
           <a:p>
             <a:r>
-              <a:rPr lang="fr-FR" dirty="0" smtClean="0"/>
+              <a:rPr lang="fr-FR" dirty="0" smtClean="0">
+                <a:solidFill>
+                  <a:schemeClr val="accent1">
+                    <a:lumMod val="75000"/>
+                  </a:schemeClr>
+                </a:solidFill>
+              </a:rPr>
               <a:t>Modèle de programmation</a:t>
             </a:r>
-            <a:endParaRPr lang="fr-FR" dirty="0"/>
+            <a:endParaRPr lang="fr-FR" dirty="0">
+              <a:solidFill>
+                <a:schemeClr val="accent1">
+                  <a:lumMod val="75000"/>
+                </a:schemeClr>
+              </a:solidFill>
+            </a:endParaRPr>
           </a:p>
         </p:txBody>
       </p:sp>
@@ -6780,15 +6976,15 @@
             </a:r>
             <a:r>
               <a:rPr lang="en-US" dirty="0" smtClean="0"/>
-              <a:t> CSP/π-</a:t>
-            </a:r>
-            <a:r>
-              <a:rPr lang="en-US" dirty="0" err="1" smtClean="0"/>
-              <a:t>calaculus</a:t>
-            </a:r>
-            <a:r>
-              <a:rPr lang="en-US" dirty="0" smtClean="0"/>
-              <a:t> (pas </a:t>
+              <a:t> </a:t>
+            </a:r>
+            <a:r>
+              <a:rPr lang="en-US" dirty="0" smtClean="0"/>
+              <a:t>du CSP/π-calculus </a:t>
+            </a:r>
+            <a:r>
+              <a:rPr lang="en-US" dirty="0" smtClean="0"/>
+              <a:t>(pas </a:t>
             </a:r>
             <a:r>
               <a:rPr lang="en-US" dirty="0" err="1" smtClean="0"/>
@@ -6833,66 +7029,79 @@
               <a:rPr lang="en-US" dirty="0" smtClean="0"/>
               <a:t>Devise de la concurrence en Go:</a:t>
             </a:r>
-            <a:endParaRPr lang="en-US" dirty="0" smtClean="0"/>
           </a:p>
           <a:p>
             <a:pPr>
               <a:buNone/>
             </a:pPr>
             <a:r>
-              <a:rPr lang="en-US" dirty="0" smtClean="0"/>
+              <a:rPr lang="en-US" i="1" dirty="0" smtClean="0"/>
               <a:t>“Ne pas </a:t>
             </a:r>
             <a:r>
-              <a:rPr lang="en-US" dirty="0" err="1" smtClean="0"/>
+              <a:rPr lang="en-US" i="1" dirty="0" err="1" smtClean="0"/>
               <a:t>communiquer</a:t>
             </a:r>
             <a:r>
-              <a:rPr lang="en-US" dirty="0" smtClean="0"/>
+              <a:rPr lang="en-US" i="1" dirty="0" smtClean="0"/>
               <a:t> par </a:t>
             </a:r>
             <a:r>
-              <a:rPr lang="en-US" dirty="0" err="1" smtClean="0"/>
+              <a:rPr lang="en-US" i="1" dirty="0" err="1" smtClean="0"/>
               <a:t>mémoire</a:t>
             </a:r>
             <a:r>
-              <a:rPr lang="en-US" dirty="0" smtClean="0"/>
+              <a:rPr lang="en-US" i="1" dirty="0" smtClean="0"/>
               <a:t> </a:t>
             </a:r>
             <a:r>
-              <a:rPr lang="en-US" dirty="0" err="1" smtClean="0"/>
+              <a:rPr lang="en-US" i="1" dirty="0" err="1" smtClean="0"/>
               <a:t>partagée</a:t>
             </a:r>
             <a:r>
-              <a:rPr lang="en-US" dirty="0" smtClean="0"/>
-              <a:t> ; à la place, Do </a:t>
-            </a:r>
-            <a:r>
-              <a:rPr lang="en-US" dirty="0" smtClean="0"/>
-              <a:t>not communicate by sharing memory; instead, </a:t>
-            </a:r>
-            <a:r>
-              <a:rPr lang="en-US" dirty="0" err="1" smtClean="0"/>
+              <a:rPr lang="en-US" i="1" dirty="0" smtClean="0"/>
+              <a:t> ; à la </a:t>
+            </a:r>
+            <a:endParaRPr lang="en-US" i="1" dirty="0" smtClean="0"/>
+          </a:p>
+          <a:p>
+            <a:pPr>
+              <a:buNone/>
+            </a:pPr>
+            <a:r>
+              <a:rPr lang="en-US" i="1" dirty="0" smtClean="0"/>
+              <a:t>place</a:t>
+            </a:r>
+            <a:r>
+              <a:rPr lang="en-US" i="1" dirty="0" smtClean="0"/>
+              <a:t>, </a:t>
+            </a:r>
+            <a:r>
+              <a:rPr lang="en-US" i="1" dirty="0" err="1" smtClean="0"/>
               <a:t>partager</a:t>
             </a:r>
             <a:r>
-              <a:rPr lang="en-US" dirty="0" smtClean="0"/>
-              <a:t> la </a:t>
-            </a:r>
-            <a:r>
-              <a:rPr lang="en-US" dirty="0" err="1" smtClean="0"/>
+              <a:rPr lang="en-US" i="1" dirty="0" smtClean="0"/>
+              <a:t> </a:t>
+            </a:r>
+            <a:r>
+              <a:rPr lang="en-US" i="1" dirty="0" smtClean="0"/>
+              <a:t>la </a:t>
+            </a:r>
+            <a:r>
+              <a:rPr lang="en-US" i="1" dirty="0" err="1" smtClean="0"/>
               <a:t>mémoire</a:t>
             </a:r>
             <a:r>
-              <a:rPr lang="en-US" dirty="0" smtClean="0"/>
+              <a:rPr lang="en-US" i="1" dirty="0" smtClean="0"/>
               <a:t> en </a:t>
             </a:r>
             <a:r>
-              <a:rPr lang="en-US" dirty="0" err="1" smtClean="0"/>
+              <a:rPr lang="en-US" i="1" dirty="0" err="1" smtClean="0"/>
               <a:t>communiquant</a:t>
             </a:r>
             <a:r>
-              <a:rPr lang="en-US" dirty="0" smtClean="0"/>
+              <a:rPr lang="en-US" i="1" dirty="0" smtClean="0"/>
               <a:t>"</a:t>
             </a:r>
             <a:r>
@@ -6992,33 +7201,61 @@
           <a:lstStyle/>
           <a:p>
             <a:r>
-              <a:rPr lang="fr-FR" dirty="0" smtClean="0"/>
+              <a:rPr lang="fr-FR" dirty="0" smtClean="0">
+                <a:solidFill>
+                  <a:schemeClr val="accent1">
+                    <a:lumMod val="75000"/>
+                  </a:schemeClr>
+                </a:solidFill>
+              </a:rPr>
               <a:t>Pourquoi est-ce du </a:t>
             </a:r>
             <a:r>
-              <a:rPr lang="fr-FR" i="1" dirty="0" smtClean="0"/>
+              <a:rPr lang="fr-FR" i="1" dirty="0" smtClean="0">
+                <a:solidFill>
+                  <a:schemeClr val="accent1">
+                    <a:lumMod val="75000"/>
+                  </a:schemeClr>
+                </a:solidFill>
+              </a:rPr>
               <a:t>CSP </a:t>
             </a:r>
             <a:r>
-              <a:rPr lang="fr-FR" dirty="0" smtClean="0"/>
-              <a:t>pur </a:t>
-            </a:r>
-            <a:r>
-              <a:rPr lang="fr-FR" dirty="0" smtClean="0"/>
-              <a:t>ne va pas? </a:t>
+              <a:rPr lang="fr-FR" dirty="0" smtClean="0">
+                <a:solidFill>
+                  <a:schemeClr val="accent1">
+                    <a:lumMod val="75000"/>
+                  </a:schemeClr>
+                </a:solidFill>
+              </a:rPr>
+              <a:t>pur ne va pas? </a:t>
             </a:r>
             <a:br>
-              <a:rPr lang="fr-FR" dirty="0" smtClean="0"/>
+              <a:rPr lang="fr-FR" dirty="0" smtClean="0">
+                <a:solidFill>
+                  <a:schemeClr val="accent1">
+                    <a:lumMod val="75000"/>
+                  </a:schemeClr>
+                </a:solidFill>
+              </a:rPr>
             </a:br>
             <a:r>
-              <a:rPr lang="fr-FR" dirty="0" smtClean="0"/>
-              <a:t>(</a:t>
-            </a:r>
-            <a:r>
-              <a:rPr lang="fr-FR" dirty="0" smtClean="0"/>
-              <a:t>suite 2)</a:t>
-            </a:r>
-            <a:endParaRPr lang="fr-FR" dirty="0"/>
+              <a:rPr lang="fr-FR" dirty="0" smtClean="0">
+                <a:solidFill>
+                  <a:schemeClr val="accent1">
+                    <a:lumMod val="75000"/>
+                  </a:schemeClr>
+                </a:solidFill>
+              </a:rPr>
+              <a:t>(suite 2)</a:t>
+            </a:r>
+            <a:endParaRPr lang="fr-FR" dirty="0">
+              <a:solidFill>
+                <a:schemeClr val="accent1">
+                  <a:lumMod val="75000"/>
+                </a:schemeClr>
+              </a:solidFill>
+            </a:endParaRPr>
           </a:p>
         </p:txBody>
       </p:sp>
@@ -7044,30 +7281,38 @@
             </a:pPr>
             <a:r>
               <a:rPr lang="en-US" dirty="0" smtClean="0"/>
-              <a:t>“Les passage de message (</a:t>
+              <a:t>“</a:t>
             </a:r>
             <a:r>
               <a:rPr lang="en-US" i="1" dirty="0" smtClean="0"/>
-              <a:t>message passing</a:t>
-            </a:r>
-            <a:r>
-              <a:rPr lang="en-US" dirty="0" smtClean="0"/>
-              <a:t>) </a:t>
-            </a:r>
-            <a:r>
-              <a:rPr lang="en-US" dirty="0" err="1" smtClean="0"/>
+              <a:t>Le </a:t>
+            </a:r>
+            <a:r>
+              <a:rPr lang="en-US" i="1" dirty="0" smtClean="0"/>
+              <a:t>passage </a:t>
+            </a:r>
+            <a:r>
+              <a:rPr lang="en-US" i="1" dirty="0" smtClean="0"/>
+              <a:t>par message </a:t>
+            </a:r>
+            <a:r>
+              <a:rPr lang="en-US" i="1" dirty="0" smtClean="0"/>
+              <a:t>(message passing) </a:t>
+            </a:r>
+            <a:r>
+              <a:rPr lang="en-US" i="1" dirty="0" err="1" smtClean="0"/>
               <a:t>est</a:t>
             </a:r>
             <a:r>
-              <a:rPr lang="en-US" dirty="0" smtClean="0"/>
+              <a:rPr lang="en-US" i="1" dirty="0" smtClean="0"/>
               <a:t> </a:t>
             </a:r>
             <a:r>
-              <a:rPr lang="en-US" dirty="0" err="1" smtClean="0"/>
+              <a:rPr lang="en-US" i="1" dirty="0" err="1" smtClean="0"/>
               <a:t>aisé</a:t>
             </a:r>
             <a:r>
-              <a:rPr lang="en-US" dirty="0" smtClean="0"/>
+              <a:rPr lang="en-US" i="1" dirty="0" smtClean="0"/>
               <a:t> à </a:t>
             </a:r>
           </a:p>
@@ -7076,69 +7321,66 @@
               <a:buNone/>
             </a:pPr>
             <a:r>
-              <a:rPr lang="en-US" dirty="0" err="1" smtClean="0"/>
+              <a:rPr lang="en-US" i="1" dirty="0" err="1" smtClean="0"/>
               <a:t>implémenter</a:t>
             </a:r>
             <a:r>
-              <a:rPr lang="en-US" dirty="0" smtClean="0"/>
+              <a:rPr lang="en-US" i="1" dirty="0" smtClean="0"/>
               <a:t>. </a:t>
             </a:r>
             <a:r>
-              <a:rPr lang="en-US" dirty="0" err="1" smtClean="0"/>
+              <a:rPr lang="en-US" i="1" dirty="0" err="1" smtClean="0"/>
               <a:t>Mais</a:t>
             </a:r>
             <a:r>
-              <a:rPr lang="en-US" dirty="0" smtClean="0"/>
-              <a:t> tout </a:t>
-            </a:r>
-            <a:r>
-              <a:rPr lang="en-US" dirty="0" err="1" smtClean="0"/>
-              <a:t>est</a:t>
-            </a:r>
-            <a:r>
-              <a:rPr lang="en-US" dirty="0" smtClean="0"/>
+              <a:rPr lang="en-US" i="1" dirty="0" smtClean="0"/>
               <a:t> </a:t>
             </a:r>
             <a:r>
-              <a:rPr lang="en-US" dirty="0" err="1" smtClean="0"/>
-              <a:t>transformé</a:t>
-            </a:r>
-            <a:r>
-              <a:rPr lang="en-US" dirty="0" smtClean="0"/>
-              <a:t> en </a:t>
-            </a:r>
+              <a:rPr lang="en-US" i="1" dirty="0" err="1" smtClean="0"/>
+              <a:t>cela</a:t>
+            </a:r>
+            <a:r>
+              <a:rPr lang="en-US" i="1" dirty="0" smtClean="0"/>
+              <a:t> </a:t>
+            </a:r>
+            <a:r>
+              <a:rPr lang="en-US" i="1" dirty="0" err="1" smtClean="0"/>
+              <a:t>revient</a:t>
+            </a:r>
+            <a:r>
+              <a:rPr lang="en-US" i="1" dirty="0" smtClean="0"/>
+              <a:t> à faire de la </a:t>
+            </a:r>
+            <a:endParaRPr lang="en-US" i="1" dirty="0" smtClean="0"/>
           </a:p>
           <a:p>
             <a:pPr>
               <a:buNone/>
             </a:pPr>
             <a:r>
-              <a:rPr lang="en-US" dirty="0" err="1" smtClean="0"/>
+              <a:rPr lang="en-US" i="1" dirty="0" err="1" smtClean="0"/>
               <a:t>programmation</a:t>
             </a:r>
             <a:r>
-              <a:rPr lang="en-US" dirty="0" smtClean="0"/>
+              <a:rPr lang="en-US" i="1" dirty="0" smtClean="0"/>
               <a:t> </a:t>
             </a:r>
             <a:r>
-              <a:rPr lang="en-US" dirty="0" err="1" smtClean="0"/>
+              <a:rPr lang="en-US" i="1" dirty="0" err="1" smtClean="0"/>
               <a:t>distribuée</a:t>
             </a:r>
             <a:r>
-              <a:rPr lang="en-US" dirty="0" smtClean="0"/>
+              <a:rPr lang="en-US" i="1" dirty="0" smtClean="0"/>
               <a:t> </a:t>
             </a:r>
             <a:r>
-              <a:rPr lang="en-US" dirty="0" err="1" smtClean="0"/>
+              <a:rPr lang="en-US" i="1" dirty="0" err="1" smtClean="0"/>
               <a:t>alors</a:t>
             </a:r>
             <a:r>
               <a:rPr lang="en-US" dirty="0" smtClean="0"/>
-              <a:t>” </a:t>
-            </a:r>
-            <a:r>
-              <a:rPr lang="en-US" dirty="0" smtClean="0"/>
-              <a:t>(c) Joseph </a:t>
+              <a:t>” (c) Joseph </a:t>
             </a:r>
             <a:r>
               <a:rPr lang="en-US" dirty="0" err="1" smtClean="0"/>
@@ -7159,11 +7401,32 @@
             </a:pPr>
             <a:r>
               <a:rPr lang="en-US" dirty="0" smtClean="0"/>
+              <a:t>- Surcharge </a:t>
+            </a:r>
+            <a:r>
+              <a:rPr lang="en-US" dirty="0" err="1" smtClean="0"/>
+              <a:t>aditionnelle</a:t>
+            </a:r>
+            <a:r>
+              <a:rPr lang="en-US" dirty="0" smtClean="0"/>
+              <a:t> </a:t>
+            </a:r>
+          </a:p>
+          <a:p>
+            <a:pPr>
+              <a:buNone/>
+            </a:pPr>
+            <a:r>
+              <a:rPr lang="en-US" dirty="0" smtClean="0"/>
               <a:t>- </a:t>
             </a:r>
             <a:r>
-              <a:rPr lang="en-US" dirty="0" smtClean="0"/>
-              <a:t>Surcharge </a:t>
+              <a:rPr lang="en-US" dirty="0" err="1" smtClean="0"/>
+              <a:t>Latence</a:t>
+            </a:r>
+            <a:r>
+              <a:rPr lang="en-US" dirty="0" smtClean="0"/>
+              <a:t> </a:t>
             </a:r>
             <a:r>
               <a:rPr lang="en-US" dirty="0" err="1" smtClean="0"/>
@@ -7171,9 +7434,49 @@
             </a:r>
             <a:r>
               <a:rPr lang="en-US" dirty="0" smtClean="0"/>
+              <a:t>  </a:t>
+            </a:r>
+          </a:p>
+          <a:p>
+            <a:pPr>
+              <a:buNone/>
+            </a:pPr>
+            <a:r>
+              <a:rPr lang="en-US" dirty="0" smtClean="0"/>
+              <a:t>- </a:t>
+            </a:r>
+            <a:r>
+              <a:rPr lang="en-US" dirty="0" err="1" smtClean="0"/>
+              <a:t>Complexité</a:t>
+            </a:r>
+            <a:r>
+              <a:rPr lang="en-US" dirty="0" smtClean="0"/>
               <a:t> </a:t>
             </a:r>
-            <a:endParaRPr lang="en-US" dirty="0" smtClean="0"/>
+            <a:r>
+              <a:rPr lang="en-US" dirty="0" err="1" smtClean="0"/>
+              <a:t>superflue</a:t>
+            </a:r>
+            <a:r>
+              <a:rPr lang="en-US" dirty="0" smtClean="0"/>
+              <a:t>  (</a:t>
+            </a:r>
+            <a:r>
+              <a:rPr lang="en-US" dirty="0" err="1" smtClean="0"/>
+              <a:t>asynchronisme</a:t>
+            </a:r>
+            <a:r>
+              <a:rPr lang="en-US" dirty="0" smtClean="0"/>
+              <a:t>, </a:t>
+            </a:r>
+            <a:r>
+              <a:rPr lang="en-US" dirty="0" err="1" smtClean="0"/>
+              <a:t>réordination</a:t>
+            </a:r>
+            <a:r>
+              <a:rPr lang="en-US" dirty="0" smtClean="0"/>
+              <a:t>, …)</a:t>
+            </a:r>
           </a:p>
           <a:p>
             <a:pPr>
@@ -7185,21 +7488,12 @@
             </a:r>
             <a:r>
               <a:rPr lang="en-US" dirty="0" err="1" smtClean="0"/>
-              <a:t>Latence</a:t>
-            </a:r>
-            <a:r>
-              <a:rPr lang="en-US" dirty="0" smtClean="0"/>
-              <a:t> </a:t>
-            </a:r>
-            <a:r>
-              <a:rPr lang="en-US" dirty="0" err="1" smtClean="0"/>
-              <a:t>aditionnelle</a:t>
-            </a:r>
-            <a:r>
-              <a:rPr lang="en-US" dirty="0" smtClean="0"/>
-              <a:t>  </a:t>
-            </a:r>
-            <a:endParaRPr lang="en-US" dirty="0" smtClean="0"/>
+              <a:t>Equilibrage</a:t>
+            </a:r>
+            <a:r>
+              <a:rPr lang="en-US" dirty="0" smtClean="0"/>
+              <a:t> de charge</a:t>
+            </a:r>
           </a:p>
           <a:p>
             <a:pPr>
@@ -7211,73 +7505,12 @@
             </a:r>
             <a:r>
               <a:rPr lang="en-US" dirty="0" err="1" smtClean="0"/>
-              <a:t>Complexité</a:t>
-            </a:r>
-            <a:r>
-              <a:rPr lang="en-US" dirty="0" smtClean="0"/>
-              <a:t> </a:t>
-            </a:r>
-            <a:r>
-              <a:rPr lang="en-US" dirty="0" err="1" smtClean="0"/>
-              <a:t>superflue</a:t>
-            </a:r>
-            <a:r>
-              <a:rPr lang="en-US" dirty="0" smtClean="0"/>
-              <a:t>  (</a:t>
-            </a:r>
-            <a:r>
-              <a:rPr lang="en-US" dirty="0" err="1" smtClean="0"/>
-              <a:t>asynchronisme</a:t>
-            </a:r>
-            <a:r>
-              <a:rPr lang="en-US" dirty="0" smtClean="0"/>
-              <a:t>, </a:t>
-            </a:r>
-            <a:r>
-              <a:rPr lang="en-US" dirty="0" err="1" smtClean="0"/>
-              <a:t>réordination</a:t>
-            </a:r>
-            <a:r>
-              <a:rPr lang="en-US" dirty="0" smtClean="0"/>
-              <a:t>, …)</a:t>
-            </a:r>
-            <a:endParaRPr lang="en-US" dirty="0" smtClean="0"/>
-          </a:p>
-          <a:p>
-            <a:pPr>
-              <a:buNone/>
-            </a:pPr>
-            <a:r>
-              <a:rPr lang="en-US" dirty="0" smtClean="0"/>
-              <a:t>- </a:t>
-            </a:r>
-            <a:r>
-              <a:rPr lang="en-US" dirty="0" err="1" smtClean="0"/>
-              <a:t>Equilibrage</a:t>
-            </a:r>
-            <a:r>
-              <a:rPr lang="en-US" dirty="0" smtClean="0"/>
-              <a:t> de charge</a:t>
-            </a:r>
-            <a:endParaRPr lang="en-US" dirty="0" smtClean="0"/>
-          </a:p>
-          <a:p>
-            <a:pPr>
-              <a:buNone/>
-            </a:pPr>
-            <a:r>
-              <a:rPr lang="en-US" dirty="0" smtClean="0"/>
-              <a:t>- </a:t>
-            </a:r>
-            <a:r>
-              <a:rPr lang="en-US" dirty="0" err="1" smtClean="0"/>
               <a:t>Contrôle</a:t>
             </a:r>
             <a:r>
               <a:rPr lang="en-US" dirty="0" smtClean="0"/>
               <a:t> de surcharge</a:t>
             </a:r>
-            <a:endParaRPr lang="en-US" dirty="0" smtClean="0"/>
           </a:p>
           <a:p>
             <a:pPr>
@@ -7349,10 +7582,22 @@
           <a:lstStyle/>
           <a:p>
             <a:r>
-              <a:rPr lang="fr-FR" dirty="0" smtClean="0"/>
+              <a:rPr lang="fr-FR" dirty="0" smtClean="0">
+                <a:solidFill>
+                  <a:schemeClr val="accent1">
+                    <a:lumMod val="75000"/>
+                  </a:schemeClr>
+                </a:solidFill>
+              </a:rPr>
               <a:t>La mémoire partagée à la rescousse!</a:t>
             </a:r>
-            <a:endParaRPr lang="fr-FR" dirty="0"/>
+            <a:endParaRPr lang="fr-FR" dirty="0">
+              <a:solidFill>
+                <a:schemeClr val="accent1">
+                  <a:lumMod val="75000"/>
+                </a:schemeClr>
+              </a:solidFill>
+            </a:endParaRPr>
           </a:p>
         </p:txBody>
       </p:sp>
@@ -7464,11 +7709,7 @@
             </a:pPr>
             <a:r>
               <a:rPr lang="fr-FR" dirty="0" smtClean="0"/>
-              <a:t>Simple, </a:t>
-            </a:r>
-            <a:r>
-              <a:rPr lang="fr-FR" dirty="0" smtClean="0"/>
-              <a:t>rapide, pas de latence supplémentaire, </a:t>
+              <a:t>Simple, rapide, pas de latence supplémentaire, </a:t>
             </a:r>
           </a:p>
           <a:p>
@@ -7479,7 +7720,6 @@
               <a:rPr lang="fr-FR" dirty="0" smtClean="0"/>
               <a:t>pas de chausse-trappe, pas de surcharge.</a:t>
             </a:r>
-            <a:endParaRPr lang="fr-FR" dirty="0" smtClean="0"/>
           </a:p>
           <a:p>
             <a:endParaRPr lang="fr-FR" dirty="0"/>
@@ -7529,10 +7769,22 @@
           <a:lstStyle/>
           <a:p>
             <a:r>
-              <a:rPr lang="fr-FR" dirty="0" smtClean="0"/>
+              <a:rPr lang="fr-FR" dirty="0" smtClean="0">
+                <a:solidFill>
+                  <a:schemeClr val="accent1">
+                    <a:lumMod val="75000"/>
+                  </a:schemeClr>
+                </a:solidFill>
+              </a:rPr>
               <a:t>Les primitives de mémoire partagée</a:t>
             </a:r>
-            <a:endParaRPr lang="fr-FR" dirty="0"/>
+            <a:endParaRPr lang="fr-FR" dirty="0">
+              <a:solidFill>
+                <a:schemeClr val="accent1">
+                  <a:lumMod val="75000"/>
+                </a:schemeClr>
+              </a:solidFill>
+            </a:endParaRPr>
           </a:p>
         </p:txBody>
       </p:sp>
@@ -7774,10 +8026,22 @@
           <a:lstStyle/>
           <a:p>
             <a:r>
-              <a:rPr lang="fr-FR" dirty="0" err="1" smtClean="0"/>
-              <a:t>Mutexes</a:t>
-            </a:r>
-            <a:endParaRPr lang="fr-FR" dirty="0"/>
+              <a:rPr lang="fr-FR" dirty="0" err="1" smtClean="0">
+                <a:solidFill>
+                  <a:schemeClr val="accent1">
+                    <a:lumMod val="75000"/>
+                  </a:schemeClr>
+                </a:solidFill>
+              </a:rPr>
+              <a:t>Mutex</a:t>
+            </a:r>
+            <a:endParaRPr lang="fr-FR" dirty="0">
+              <a:solidFill>
+                <a:schemeClr val="accent1">
+                  <a:lumMod val="75000"/>
+                </a:schemeClr>
+              </a:solidFill>
+            </a:endParaRPr>
           </a:p>
         </p:txBody>
       </p:sp>
@@ -7824,12 +8088,6 @@
               </a:rPr>
               <a:t>.</a:t>
             </a:r>
-            <a:r>
-              <a:rPr lang="fr-FR" sz="2200" dirty="0" smtClean="0">
-                <a:cs typeface="Courier New" pitchFamily="49" charset="0"/>
-              </a:rPr>
-              <a:t/>
-            </a:r>
             <a:br>
               <a:rPr lang="fr-FR" sz="2200" dirty="0" smtClean="0">
                 <a:cs typeface="Courier New" pitchFamily="49" charset="0"/>
@@ -7984,13 +8242,6 @@
                 <a:cs typeface="Courier New" pitchFamily="49" charset="0"/>
               </a:rPr>
               <a:t>()</a:t>
-            </a:r>
-            <a:r>
-              <a:rPr lang="fr-FR" sz="1800" dirty="0" smtClean="0">
-                <a:latin typeface="Courier New" pitchFamily="49" charset="0"/>
-                <a:cs typeface="Courier New" pitchFamily="49" charset="0"/>
-              </a:rPr>
-              <a:t/>
             </a:r>
             <a:br>
               <a:rPr lang="fr-FR" sz="1800" dirty="0" smtClean="0">
@@ -8172,10 +8423,22 @@
           <a:lstStyle/>
           <a:p>
             <a:r>
-              <a:rPr lang="fr-FR" dirty="0" smtClean="0"/>
+              <a:rPr lang="fr-FR" dirty="0" smtClean="0">
+                <a:solidFill>
+                  <a:schemeClr val="accent1">
+                    <a:lumMod val="75000"/>
+                  </a:schemeClr>
+                </a:solidFill>
+              </a:rPr>
               <a:t>Schéma général</a:t>
             </a:r>
-            <a:endParaRPr lang="fr-FR" dirty="0"/>
+            <a:endParaRPr lang="fr-FR" dirty="0">
+              <a:solidFill>
+                <a:schemeClr val="accent1">
+                  <a:lumMod val="75000"/>
+                </a:schemeClr>
+              </a:solidFill>
+            </a:endParaRPr>
           </a:p>
         </p:txBody>
       </p:sp>
@@ -8288,10 +8551,22 @@
           <a:lstStyle/>
           <a:p>
             <a:r>
-              <a:rPr lang="fr-FR" dirty="0" smtClean="0"/>
+              <a:rPr lang="fr-FR" dirty="0" smtClean="0">
+                <a:solidFill>
+                  <a:schemeClr val="accent1">
+                    <a:lumMod val="75000"/>
+                  </a:schemeClr>
+                </a:solidFill>
+              </a:rPr>
               <a:t>Détecteur de course pour Go</a:t>
             </a:r>
-            <a:endParaRPr lang="fr-FR" dirty="0"/>
+            <a:endParaRPr lang="fr-FR" dirty="0">
+              <a:solidFill>
+                <a:schemeClr val="accent1">
+                  <a:lumMod val="75000"/>
+                </a:schemeClr>
+              </a:solidFill>
+            </a:endParaRPr>
           </a:p>
         </p:txBody>
       </p:sp>
@@ -8337,15 +8612,7 @@
             </a:r>
             <a:r>
               <a:rPr lang="en-US" dirty="0" smtClean="0"/>
-              <a:t> Google </a:t>
-            </a:r>
-            <a:r>
-              <a:rPr lang="en-US" dirty="0" smtClean="0"/>
-              <a:t>MSK </a:t>
-            </a:r>
-            <a:r>
-              <a:rPr lang="en-US" dirty="0" smtClean="0"/>
-              <a:t>(pas </a:t>
+              <a:t> Google MSK (pas </a:t>
             </a:r>
             <a:r>
               <a:rPr lang="en-US" dirty="0" err="1" smtClean="0"/>
@@ -8370,10 +8637,6 @@
             <a:r>
               <a:rPr lang="en-US" dirty="0" smtClean="0"/>
               <a:t>).</a:t>
-            </a:r>
-            <a:r>
-              <a:rPr lang="en-US" dirty="0" smtClean="0"/>
-              <a:t/>
             </a:r>
             <a:br>
               <a:rPr lang="en-US" dirty="0" smtClean="0"/>
@@ -8438,15 +8701,7 @@
             </a:r>
             <a:r>
               <a:rPr lang="en-US" dirty="0" smtClean="0"/>
-              <a:t> </a:t>
-            </a:r>
-            <a:r>
-              <a:rPr lang="en-US" dirty="0" smtClean="0"/>
-              <a:t> </a:t>
-            </a:r>
-            <a:r>
-              <a:rPr lang="en-US" dirty="0" smtClean="0"/>
-              <a:t>pour les  </a:t>
+              <a:t>  pour les  </a:t>
             </a:r>
             <a:r>
               <a:rPr lang="en-US" dirty="0" err="1" smtClean="0"/>
@@ -8464,7 +8719,6 @@
               <a:rPr lang="en-US" dirty="0" smtClean="0"/>
               <a:t> Go.</a:t>
             </a:r>
-            <a:endParaRPr lang="en-US" dirty="0" smtClean="0"/>
           </a:p>
           <a:p>
             <a:pPr>
@@ -8528,18 +8782,17 @@
               <a:rPr lang="en-US" dirty="0" smtClean="0"/>
               <a:t>.</a:t>
             </a:r>
+          </a:p>
+          <a:p>
+            <a:pPr>
+              <a:buNone/>
+            </a:pPr>
             <a:endParaRPr lang="en-US" dirty="0" smtClean="0"/>
           </a:p>
           <a:p>
             <a:pPr>
               <a:buNone/>
             </a:pPr>
-            <a:endParaRPr lang="en-US" dirty="0" smtClean="0"/>
-          </a:p>
-          <a:p>
-            <a:pPr>
-              <a:buNone/>
-            </a:pPr>
             <a:r>
               <a:rPr lang="en-US" dirty="0" smtClean="0"/>
               <a:t>Si/</a:t>
@@ -8640,7 +8893,6 @@
               <a:rPr lang="en-US" dirty="0" smtClean="0"/>
               <a:t>.</a:t>
             </a:r>
-            <a:endParaRPr lang="en-US" dirty="0" smtClean="0"/>
           </a:p>
           <a:p>
             <a:endParaRPr lang="fr-FR" dirty="0"/>
@@ -8688,18 +8940,42 @@
           <a:lstStyle/>
           <a:p>
             <a:r>
-              <a:rPr lang="fr-FR" dirty="0" smtClean="0"/>
+              <a:rPr lang="fr-FR" dirty="0" smtClean="0">
+                <a:solidFill>
+                  <a:schemeClr val="accent1">
+                    <a:lumMod val="75000"/>
+                  </a:schemeClr>
+                </a:solidFill>
+              </a:rPr>
               <a:t>Evolutivité (</a:t>
             </a:r>
             <a:r>
-              <a:rPr lang="fr-FR" dirty="0" err="1" smtClean="0"/>
+              <a:rPr lang="fr-FR" dirty="0" err="1" smtClean="0">
+                <a:solidFill>
+                  <a:schemeClr val="accent1">
+                    <a:lumMod val="75000"/>
+                  </a:schemeClr>
+                </a:solidFill>
+              </a:rPr>
               <a:t>scalability</a:t>
             </a:r>
             <a:r>
-              <a:rPr lang="fr-FR" dirty="0" smtClean="0"/>
+              <a:rPr lang="fr-FR" dirty="0" smtClean="0">
+                <a:solidFill>
+                  <a:schemeClr val="accent1">
+                    <a:lumMod val="75000"/>
+                  </a:schemeClr>
+                </a:solidFill>
+              </a:rPr>
               <a:t>)</a:t>
             </a:r>
-            <a:endParaRPr lang="fr-FR" dirty="0"/>
+            <a:endParaRPr lang="fr-FR" dirty="0">
+              <a:solidFill>
+                <a:schemeClr val="accent1">
+                  <a:lumMod val="75000"/>
+                </a:schemeClr>
+              </a:solidFill>
+            </a:endParaRPr>
           </a:p>
         </p:txBody>
       </p:sp>
@@ -8741,7 +9017,15 @@
             </a:r>
             <a:r>
               <a:rPr lang="en-US" dirty="0" smtClean="0"/>
-              <a:t> concurrence grain fin </a:t>
+              <a:t> concurrence </a:t>
+            </a:r>
+            <a:r>
+              <a:rPr lang="en-US" dirty="0" smtClean="0"/>
+              <a:t>de grain </a:t>
+            </a:r>
+            <a:r>
+              <a:rPr lang="en-US" dirty="0" smtClean="0"/>
+              <a:t>fin </a:t>
             </a:r>
             <a:r>
               <a:rPr lang="en-US" dirty="0" err="1" smtClean="0"/>
@@ -8783,18 +9067,17 @@
               <a:rPr lang="en-US" dirty="0" smtClean="0"/>
               <a:t>.</a:t>
             </a:r>
+          </a:p>
+          <a:p>
+            <a:pPr>
+              <a:buNone/>
+            </a:pPr>
             <a:endParaRPr lang="en-US" dirty="0" smtClean="0"/>
           </a:p>
           <a:p>
             <a:pPr>
               <a:buNone/>
             </a:pPr>
-            <a:endParaRPr lang="en-US" dirty="0" smtClean="0"/>
-          </a:p>
-          <a:p>
-            <a:pPr>
-              <a:buNone/>
-            </a:pPr>
             <a:r>
               <a:rPr lang="en-US" dirty="0" smtClean="0"/>
               <a:t>Il a </a:t>
@@ -8813,7 +9096,11 @@
             </a:r>
             <a:r>
               <a:rPr lang="en-US" dirty="0" smtClean="0"/>
-              <a:t> environ CL </a:t>
+              <a:t> environ </a:t>
+            </a:r>
+            <a:r>
+              <a:rPr lang="en-US" dirty="0" smtClean="0"/>
+              <a:t>50 CLs </a:t>
             </a:r>
             <a:r>
               <a:rPr lang="en-US" dirty="0" err="1" smtClean="0"/>
@@ -8917,15 +9204,7 @@
             </a:r>
             <a:r>
               <a:rPr lang="en-US" dirty="0" smtClean="0"/>
-              <a:t>/select</a:t>
-            </a:r>
-            <a:r>
-              <a:rPr lang="en-US" dirty="0" smtClean="0"/>
-              <a:t>, </a:t>
-            </a:r>
-            <a:r>
-              <a:rPr lang="en-US" dirty="0" smtClean="0"/>
-              <a:t>de </a:t>
+              <a:t>/select, de </a:t>
             </a:r>
             <a:r>
               <a:rPr lang="en-US" dirty="0" err="1" smtClean="0"/>
@@ -8957,11 +9236,7 @@
             </a:r>
             <a:r>
               <a:rPr lang="en-US" dirty="0" smtClean="0"/>
-              <a:t>), </a:t>
-            </a:r>
-            <a:r>
-              <a:rPr lang="en-US" dirty="0" smtClean="0"/>
-              <a:t>etc.</a:t>
+              <a:t>), etc.</a:t>
             </a:r>
           </a:p>
           <a:p>
@@ -9001,11 +9276,7 @@
             </a:r>
             <a:r>
               <a:rPr lang="en-US" i="1" dirty="0" smtClean="0"/>
-              <a:t> un </a:t>
-            </a:r>
-            <a:r>
-              <a:rPr lang="en-US" i="1" dirty="0" smtClean="0"/>
-              <a:t> benchmark </a:t>
+              <a:t> un  benchmark </a:t>
             </a:r>
             <a:r>
               <a:rPr lang="en-US" i="1" dirty="0" err="1" smtClean="0"/>
@@ -9155,7 +9426,6 @@
               <a:rPr lang="en-US" dirty="0" smtClean="0"/>
               <a:t>.</a:t>
             </a:r>
-            <a:endParaRPr lang="en-US" dirty="0" smtClean="0"/>
           </a:p>
           <a:p>
             <a:endParaRPr lang="fr-FR" dirty="0"/>
@@ -9266,10 +9536,22 @@
           <a:lstStyle/>
           <a:p>
             <a:r>
-              <a:rPr lang="fr-FR" dirty="0" err="1" smtClean="0"/>
+              <a:rPr lang="fr-FR" dirty="0" err="1" smtClean="0">
+                <a:solidFill>
+                  <a:schemeClr val="accent1">
+                    <a:lumMod val="75000"/>
+                  </a:schemeClr>
+                </a:solidFill>
+              </a:rPr>
               <a:t>Goroutines</a:t>
             </a:r>
-            <a:endParaRPr lang="fr-FR" dirty="0"/>
+            <a:endParaRPr lang="fr-FR" dirty="0">
+              <a:solidFill>
+                <a:schemeClr val="accent1">
+                  <a:lumMod val="75000"/>
+                </a:schemeClr>
+              </a:solidFill>
+            </a:endParaRPr>
           </a:p>
         </p:txBody>
       </p:sp>
@@ -9333,7 +9615,6 @@
               <a:rPr lang="en-US" dirty="0" smtClean="0"/>
               <a:t>)</a:t>
             </a:r>
-            <a:endParaRPr lang="en-US" dirty="0" smtClean="0"/>
           </a:p>
           <a:p>
             <a:pPr>
@@ -9430,7 +9711,21 @@
                 <a:latin typeface="Courier New" pitchFamily="49" charset="0"/>
                 <a:cs typeface="Courier New" pitchFamily="49" charset="0"/>
               </a:rPr>
-              <a:t>("Hello, %s!", who)</a:t>
+              <a:t>(“Bonjour, </a:t>
+            </a:r>
+            <a:r>
+              <a:rPr lang="en-US" dirty="0" smtClean="0">
+                <a:latin typeface="Courier New" pitchFamily="49" charset="0"/>
+                <a:cs typeface="Courier New" pitchFamily="49" charset="0"/>
+              </a:rPr>
+              <a:t>%s!", </a:t>
+            </a:r>
+            <a:r>
+              <a:rPr lang="en-US" dirty="0" smtClean="0">
+                <a:latin typeface="Courier New" pitchFamily="49" charset="0"/>
+                <a:cs typeface="Courier New" pitchFamily="49" charset="0"/>
+              </a:rPr>
+              <a:t>qui)</a:t>
             </a:r>
             <a:endParaRPr lang="en-US" b="1" dirty="0" smtClean="0">
               <a:latin typeface="Courier New" pitchFamily="49" charset="0"/>
@@ -9519,8 +9814,26 @@
                 <a:latin typeface="Courier New" pitchFamily="49" charset="0"/>
                 <a:cs typeface="Courier New" pitchFamily="49" charset="0"/>
               </a:rPr>
-              <a:t>("Hello, %s!", who)</a:t>
-            </a:r>
+              <a:t>(“Bonjour, </a:t>
+            </a:r>
+            <a:r>
+              <a:rPr lang="en-US" dirty="0" smtClean="0">
+                <a:latin typeface="Courier New" pitchFamily="49" charset="0"/>
+                <a:cs typeface="Courier New" pitchFamily="49" charset="0"/>
+              </a:rPr>
+              <a:t>%s!", </a:t>
+            </a:r>
+            <a:r>
+              <a:rPr lang="en-US" dirty="0" smtClean="0">
+                <a:latin typeface="Courier New" pitchFamily="49" charset="0"/>
+                <a:cs typeface="Courier New" pitchFamily="49" charset="0"/>
+              </a:rPr>
+              <a:t>qui)</a:t>
+            </a:r>
+            <a:endParaRPr lang="en-US" dirty="0" smtClean="0">
+              <a:latin typeface="Courier New" pitchFamily="49" charset="0"/>
+              <a:cs typeface="Courier New" pitchFamily="49" charset="0"/>
+            </a:endParaRPr>
           </a:p>
           <a:p>
             <a:pPr lvl="1">
@@ -9593,10 +9906,32 @@
           <a:lstStyle/>
           <a:p>
             <a:r>
-              <a:rPr lang="fr-FR" dirty="0" err="1" smtClean="0"/>
+              <a:rPr lang="fr-FR" dirty="0" err="1" smtClean="0">
+                <a:solidFill>
+                  <a:schemeClr val="accent1">
+                    <a:lumMod val="75000"/>
+                  </a:schemeClr>
+                </a:solidFill>
+              </a:rPr>
               <a:t>Channels</a:t>
             </a:r>
-            <a:endParaRPr lang="fr-FR" dirty="0"/>
+            <a:r>
+              <a:rPr lang="fr-FR" dirty="0" smtClean="0">
+                <a:solidFill>
+                  <a:schemeClr val="accent1">
+                    <a:lumMod val="75000"/>
+                  </a:schemeClr>
+                </a:solidFill>
+              </a:rPr>
+              <a:t> (canaux)</a:t>
+            </a:r>
+            <a:endParaRPr lang="fr-FR" dirty="0">
+              <a:solidFill>
+                <a:schemeClr val="accent1">
+                  <a:lumMod val="75000"/>
+                </a:schemeClr>
+              </a:solidFill>
+            </a:endParaRPr>
           </a:p>
         </p:txBody>
       </p:sp>
@@ -9613,7 +9948,7 @@
         <p:spPr/>
         <p:txBody>
           <a:bodyPr>
-            <a:normAutofit lnSpcReduction="10000"/>
+            <a:normAutofit fontScale="92500"/>
           </a:bodyPr>
           <a:lstStyle/>
           <a:p>
@@ -9626,7 +9961,11 @@
             </a:r>
             <a:r>
               <a:rPr lang="en-US" dirty="0" smtClean="0"/>
-              <a:t> des queues FIFO </a:t>
+              <a:t>, </a:t>
+            </a:r>
+            <a:r>
+              <a:rPr lang="en-US" dirty="0" smtClean="0"/>
+              <a:t>des queues FIFO </a:t>
             </a:r>
             <a:r>
               <a:rPr lang="en-US" dirty="0" err="1" smtClean="0"/>
@@ -9682,28 +10021,28 @@
                 <a:latin typeface="Courier New" pitchFamily="49" charset="0"/>
                 <a:cs typeface="Courier New" pitchFamily="49" charset="0"/>
               </a:rPr>
-              <a:t>//synchronous </a:t>
+              <a:t>//canal </a:t>
             </a:r>
             <a:r>
               <a:rPr lang="en-US" dirty="0" err="1" smtClean="0">
                 <a:latin typeface="Courier New" pitchFamily="49" charset="0"/>
                 <a:cs typeface="Courier New" pitchFamily="49" charset="0"/>
               </a:rPr>
-              <a:t>chan</a:t>
+              <a:t>synchrone</a:t>
             </a:r>
             <a:r>
               <a:rPr lang="en-US" dirty="0" smtClean="0">
                 <a:latin typeface="Courier New" pitchFamily="49" charset="0"/>
                 <a:cs typeface="Courier New" pitchFamily="49" charset="0"/>
               </a:rPr>
-              <a:t> of </a:t>
+              <a:t> </a:t>
             </a:r>
             <a:r>
               <a:rPr lang="en-US" dirty="0" err="1" smtClean="0">
                 <a:latin typeface="Courier New" pitchFamily="49" charset="0"/>
                 <a:cs typeface="Courier New" pitchFamily="49" charset="0"/>
               </a:rPr>
-              <a:t>ints</a:t>
+              <a:t>d’entiers</a:t>
             </a:r>
             <a:endParaRPr lang="en-US" dirty="0" smtClean="0">
               <a:latin typeface="Courier New" pitchFamily="49" charset="0"/>
@@ -9768,28 +10107,82 @@
                 <a:latin typeface="Courier New" pitchFamily="49" charset="0"/>
                 <a:cs typeface="Courier New" pitchFamily="49" charset="0"/>
               </a:rPr>
-              <a:t>//buffered </a:t>
+              <a:t>//canal </a:t>
             </a:r>
             <a:r>
               <a:rPr lang="en-US" dirty="0" err="1" smtClean="0">
                 <a:latin typeface="Courier New" pitchFamily="49" charset="0"/>
                 <a:cs typeface="Courier New" pitchFamily="49" charset="0"/>
               </a:rPr>
-              <a:t>chan</a:t>
+              <a:t>bufferisé</a:t>
             </a:r>
             <a:r>
               <a:rPr lang="en-US" dirty="0" smtClean="0">
                 <a:latin typeface="Courier New" pitchFamily="49" charset="0"/>
                 <a:cs typeface="Courier New" pitchFamily="49" charset="0"/>
               </a:rPr>
-              <a:t> of pointers </a:t>
+              <a:t> (</a:t>
+            </a:r>
+            <a:r>
+              <a:rPr lang="en-US" dirty="0" err="1" smtClean="0">
+                <a:latin typeface="Courier New" pitchFamily="49" charset="0"/>
+                <a:cs typeface="Courier New" pitchFamily="49" charset="0"/>
+              </a:rPr>
+              <a:t>taille</a:t>
             </a:r>
             <a:r>
               <a:rPr lang="en-US" dirty="0" smtClean="0">
                 <a:latin typeface="Courier New" pitchFamily="49" charset="0"/>
                 <a:cs typeface="Courier New" pitchFamily="49" charset="0"/>
               </a:rPr>
-              <a:t>to Request</a:t>
+              <a:t> 100) de </a:t>
+            </a:r>
+          </a:p>
+          <a:p>
+            <a:pPr lvl="1">
+              <a:buNone/>
+            </a:pPr>
+            <a:r>
+              <a:rPr lang="en-US" dirty="0" smtClean="0">
+                <a:latin typeface="Courier New" pitchFamily="49" charset="0"/>
+                <a:cs typeface="Courier New" pitchFamily="49" charset="0"/>
+              </a:rPr>
+              <a:t>// </a:t>
+            </a:r>
+            <a:r>
+              <a:rPr lang="en-US" dirty="0" err="1" smtClean="0">
+                <a:latin typeface="Courier New" pitchFamily="49" charset="0"/>
+                <a:cs typeface="Courier New" pitchFamily="49" charset="0"/>
+              </a:rPr>
+              <a:t>pointeurs</a:t>
+            </a:r>
+            <a:r>
+              <a:rPr lang="en-US" dirty="0" smtClean="0">
+                <a:latin typeface="Courier New" pitchFamily="49" charset="0"/>
+                <a:cs typeface="Courier New" pitchFamily="49" charset="0"/>
+              </a:rPr>
+              <a:t> </a:t>
+            </a:r>
+            <a:r>
+              <a:rPr lang="en-US" dirty="0" err="1" smtClean="0">
+                <a:latin typeface="Courier New" pitchFamily="49" charset="0"/>
+                <a:cs typeface="Courier New" pitchFamily="49" charset="0"/>
+              </a:rPr>
+              <a:t>sur</a:t>
+            </a:r>
+            <a:r>
+              <a:rPr lang="en-US" dirty="0" smtClean="0">
+                <a:latin typeface="Courier New" pitchFamily="49" charset="0"/>
+                <a:cs typeface="Courier New" pitchFamily="49" charset="0"/>
+              </a:rPr>
+              <a:t> </a:t>
+            </a:r>
+            <a:r>
+              <a:rPr lang="en-US" dirty="0" err="1" smtClean="0">
+                <a:latin typeface="Courier New" pitchFamily="49" charset="0"/>
+                <a:cs typeface="Courier New" pitchFamily="49" charset="0"/>
+              </a:rPr>
+              <a:t>Requete</a:t>
             </a:r>
             <a:endParaRPr lang="en-US" dirty="0" smtClean="0">
               <a:latin typeface="Courier New" pitchFamily="49" charset="0"/>
@@ -9819,7 +10212,28 @@
                 <a:latin typeface="Courier New" pitchFamily="49" charset="0"/>
                 <a:cs typeface="Courier New" pitchFamily="49" charset="0"/>
               </a:rPr>
-              <a:t> *Request, 100) </a:t>
+              <a:t> *</a:t>
+            </a:r>
+            <a:r>
+              <a:rPr lang="en-US" dirty="0" err="1" smtClean="0">
+                <a:latin typeface="Courier New" pitchFamily="49" charset="0"/>
+                <a:cs typeface="Courier New" pitchFamily="49" charset="0"/>
+              </a:rPr>
+              <a:t>Requete</a:t>
+            </a:r>
+            <a:r>
+              <a:rPr lang="en-US" dirty="0" smtClean="0">
+                <a:latin typeface="Courier New" pitchFamily="49" charset="0"/>
+                <a:cs typeface="Courier New" pitchFamily="49" charset="0"/>
+              </a:rPr>
+              <a:t>, </a:t>
+            </a:r>
+            <a:r>
+              <a:rPr lang="en-US" dirty="0" smtClean="0">
+                <a:latin typeface="Courier New" pitchFamily="49" charset="0"/>
+                <a:cs typeface="Courier New" pitchFamily="49" charset="0"/>
+              </a:rPr>
+              <a:t>100) </a:t>
             </a:r>
           </a:p>
           <a:p>
@@ -9870,14 +10284,32 @@
           <a:lstStyle/>
           <a:p>
             <a:r>
-              <a:rPr lang="fr-FR" dirty="0" err="1" smtClean="0"/>
+              <a:rPr lang="fr-FR" dirty="0" err="1" smtClean="0">
+                <a:solidFill>
+                  <a:schemeClr val="accent1">
+                    <a:lumMod val="75000"/>
+                  </a:schemeClr>
+                </a:solidFill>
+              </a:rPr>
               <a:t>Channels</a:t>
             </a:r>
             <a:r>
-              <a:rPr lang="fr-FR" dirty="0" smtClean="0"/>
+              <a:rPr lang="fr-FR" dirty="0" smtClean="0">
+                <a:solidFill>
+                  <a:schemeClr val="accent1">
+                    <a:lumMod val="75000"/>
+                  </a:schemeClr>
+                </a:solidFill>
+              </a:rPr>
               <a:t> : citoyens de première classe</a:t>
             </a:r>
-            <a:endParaRPr lang="fr-FR" dirty="0"/>
+            <a:endParaRPr lang="fr-FR" dirty="0">
+              <a:solidFill>
+                <a:schemeClr val="accent1">
+                  <a:lumMod val="75000"/>
+                </a:schemeClr>
+              </a:solidFill>
+            </a:endParaRPr>
           </a:p>
         </p:txBody>
       </p:sp>
@@ -9915,15 +10347,19 @@
             </a:r>
             <a:r>
               <a:rPr lang="en-US" dirty="0" smtClean="0"/>
-              <a:t> les passer </a:t>
-            </a:r>
-            <a:r>
-              <a:rPr lang="en-US" dirty="0" err="1" smtClean="0"/>
-              <a:t>comme</a:t>
-            </a:r>
-            <a:r>
-              <a:rPr lang="en-US" dirty="0" smtClean="0"/>
-              <a:t> des arguments </a:t>
+              <a:t> </a:t>
+            </a:r>
+            <a:r>
+              <a:rPr lang="en-US" dirty="0" smtClean="0"/>
+              <a:t>passer en arguments de </a:t>
+            </a:r>
+            <a:r>
+              <a:rPr lang="en-US" dirty="0" err="1" smtClean="0"/>
+              <a:t>fonction</a:t>
+            </a:r>
+            <a:r>
+              <a:rPr lang="en-US" dirty="0" smtClean="0"/>
+              <a:t> </a:t>
             </a:r>
           </a:p>
           <a:p>
@@ -9932,15 +10368,19 @@
             </a:pPr>
             <a:r>
               <a:rPr lang="en-US" dirty="0" smtClean="0"/>
-              <a:t>de </a:t>
-            </a:r>
-            <a:r>
-              <a:rPr lang="en-US" dirty="0" err="1" smtClean="0"/>
-              <a:t>fonction</a:t>
-            </a:r>
-            <a:r>
-              <a:rPr lang="en-US" dirty="0" smtClean="0"/>
-              <a:t>, les stocker </a:t>
+              <a:t>les </a:t>
+            </a:r>
+            <a:r>
+              <a:rPr lang="en-US" dirty="0" err="1" smtClean="0"/>
+              <a:t>canaux</a:t>
+            </a:r>
+            <a:r>
+              <a:rPr lang="en-US" dirty="0" smtClean="0"/>
+              <a:t>, </a:t>
+            </a:r>
+            <a:r>
+              <a:rPr lang="en-US" dirty="0" smtClean="0"/>
+              <a:t>les stocker </a:t>
             </a:r>
             <a:r>
               <a:rPr lang="en-US" dirty="0" err="1" smtClean="0"/>
@@ -9958,10 +10398,6 @@
             <a:r>
               <a:rPr lang="en-US" dirty="0" smtClean="0"/>
               <a:t>passer via des channels, etc… </a:t>
-            </a:r>
-            <a:r>
-              <a:rPr lang="en-US" dirty="0" smtClean="0"/>
-              <a:t/>
             </a:r>
             <a:br>
               <a:rPr lang="en-US" dirty="0" smtClean="0"/>
@@ -9998,11 +10434,19 @@
               <a:buNone/>
             </a:pPr>
             <a:r>
-              <a:rPr lang="en-US" dirty="0" err="1" smtClean="0"/>
+              <a:rPr lang="en-US" i="1" dirty="0" err="1" smtClean="0"/>
               <a:t>goroutines</a:t>
             </a:r>
             <a:r>
               <a:rPr lang="en-US" dirty="0" smtClean="0"/>
+              <a:t> </a:t>
+            </a:r>
+            <a:r>
+              <a:rPr lang="en-US" dirty="0" err="1" smtClean="0"/>
+              <a:t>particulières</a:t>
+            </a:r>
+            <a:r>
+              <a:rPr lang="en-US" dirty="0" smtClean="0"/>
               <a:t>. </a:t>
             </a:r>
             <a:r>
@@ -10014,13 +10458,19 @@
               <a:t> </a:t>
             </a:r>
             <a:r>
-              <a:rPr lang="en-US" dirty="0" err="1" smtClean="0"/>
+              <a:rPr lang="en-US" i="1" dirty="0" err="1" smtClean="0"/>
               <a:t>goroutines</a:t>
             </a:r>
             <a:r>
-              <a:rPr lang="en-US" dirty="0" smtClean="0"/>
+              <a:rPr lang="en-US" i="1" dirty="0" smtClean="0"/>
               <a:t> </a:t>
             </a:r>
+            <a:endParaRPr lang="en-US" i="1" dirty="0" smtClean="0"/>
+          </a:p>
+          <a:p>
+            <a:pPr>
+              <a:buNone/>
+            </a:pPr>
             <a:r>
               <a:rPr lang="en-US" dirty="0" err="1" smtClean="0"/>
               <a:t>peuvent</a:t>
@@ -10029,53 +10479,51 @@
               <a:rPr lang="en-US" dirty="0" smtClean="0"/>
               <a:t> </a:t>
             </a:r>
+            <a:r>
+              <a:rPr lang="en-US" dirty="0" err="1" smtClean="0"/>
+              <a:t>envoyer</a:t>
+            </a:r>
+            <a:r>
+              <a:rPr lang="en-US" dirty="0" smtClean="0"/>
+              <a:t>/</a:t>
+            </a:r>
+            <a:r>
+              <a:rPr lang="en-US" dirty="0" err="1" smtClean="0"/>
+              <a:t>recevoir</a:t>
+            </a:r>
+            <a:r>
+              <a:rPr lang="en-US" dirty="0" smtClean="0"/>
+              <a:t> </a:t>
+            </a:r>
+            <a:r>
+              <a:rPr lang="en-US" dirty="0" smtClean="0"/>
+              <a:t>des </a:t>
+            </a:r>
+            <a:r>
+              <a:rPr lang="en-US" dirty="0" err="1" smtClean="0"/>
+              <a:t>données</a:t>
+            </a:r>
+            <a:r>
+              <a:rPr lang="en-US" dirty="0" smtClean="0"/>
+              <a:t> d’un </a:t>
+            </a:r>
+            <a:r>
+              <a:rPr lang="en-US" dirty="0" err="1" smtClean="0"/>
+              <a:t>seul</a:t>
+            </a:r>
+            <a:r>
+              <a:rPr lang="en-US" dirty="0" smtClean="0"/>
+              <a:t> </a:t>
+            </a:r>
           </a:p>
           <a:p>
             <a:pPr>
               <a:buNone/>
             </a:pPr>
             <a:r>
-              <a:rPr lang="en-US" dirty="0" err="1" smtClean="0"/>
-              <a:t>envoyer</a:t>
-            </a:r>
-            <a:r>
-              <a:rPr lang="en-US" dirty="0" smtClean="0"/>
-              <a:t>/</a:t>
-            </a:r>
-            <a:r>
-              <a:rPr lang="en-US" dirty="0" err="1" smtClean="0"/>
-              <a:t>recevoir</a:t>
-            </a:r>
-            <a:r>
-              <a:rPr lang="en-US" dirty="0" smtClean="0"/>
-              <a:t> des </a:t>
-            </a:r>
-            <a:r>
-              <a:rPr lang="en-US" dirty="0" err="1" smtClean="0"/>
-              <a:t>données</a:t>
-            </a:r>
-            <a:r>
-              <a:rPr lang="en-US" dirty="0" smtClean="0"/>
-              <a:t> d’un </a:t>
-            </a:r>
-            <a:r>
-              <a:rPr lang="en-US" dirty="0" err="1" smtClean="0"/>
-              <a:t>seul</a:t>
-            </a:r>
-            <a:r>
-              <a:rPr lang="en-US" dirty="0" smtClean="0"/>
-              <a:t> </a:t>
-            </a:r>
-          </a:p>
-          <a:p>
-            <a:pPr>
-              <a:buNone/>
-            </a:pPr>
-            <a:r>
               <a:rPr lang="en-US" dirty="0" smtClean="0"/>
               <a:t>channel.  </a:t>
             </a:r>
-            <a:endParaRPr lang="en-US" dirty="0" smtClean="0"/>
           </a:p>
           <a:p>
             <a:endParaRPr lang="fr-FR" dirty="0"/>
@@ -10123,14 +10571,32 @@
           <a:lstStyle/>
           <a:p>
             <a:r>
-              <a:rPr lang="fr-FR" dirty="0" err="1" smtClean="0"/>
+              <a:rPr lang="fr-FR" dirty="0" err="1" smtClean="0">
+                <a:solidFill>
+                  <a:schemeClr val="accent1">
+                    <a:lumMod val="75000"/>
+                  </a:schemeClr>
+                </a:solidFill>
+              </a:rPr>
               <a:t>Channels</a:t>
             </a:r>
             <a:r>
-              <a:rPr lang="fr-FR" dirty="0" smtClean="0"/>
+              <a:rPr lang="fr-FR" dirty="0" smtClean="0">
+                <a:solidFill>
+                  <a:schemeClr val="accent1">
+                    <a:lumMod val="75000"/>
+                  </a:schemeClr>
+                </a:solidFill>
+              </a:rPr>
               <a:t> : entrées/sorties</a:t>
             </a:r>
-            <a:endParaRPr lang="fr-FR" dirty="0"/>
+            <a:endParaRPr lang="fr-FR" dirty="0">
+              <a:solidFill>
+                <a:schemeClr val="accent1">
+                  <a:lumMod val="75000"/>
+                </a:schemeClr>
+              </a:solidFill>
+            </a:endParaRPr>
           </a:p>
         </p:txBody>
       </p:sp>
@@ -10206,20 +10672,42 @@
                 <a:latin typeface="Courier New" pitchFamily="49" charset="0"/>
                 <a:cs typeface="Courier New" pitchFamily="49" charset="0"/>
               </a:rPr>
-              <a:t>  c &lt;- 0</a:t>
-            </a:r>
-          </a:p>
-          <a:p>
-            <a:pPr lvl="1">
-              <a:buNone/>
-            </a:pPr>
+              <a:t>  c &lt;- </a:t>
+            </a:r>
             <a:r>
               <a:rPr lang="fr-FR" sz="3400" dirty="0" smtClean="0">
                 <a:latin typeface="Courier New" pitchFamily="49" charset="0"/>
                 <a:cs typeface="Courier New" pitchFamily="49" charset="0"/>
               </a:rPr>
-              <a:t>  &lt;-c</a:t>
-            </a:r>
+              <a:t>0 // on envoie 0 sur c</a:t>
+            </a:r>
+            <a:endParaRPr lang="fr-FR" sz="3400" dirty="0" smtClean="0">
+              <a:latin typeface="Courier New" pitchFamily="49" charset="0"/>
+              <a:cs typeface="Courier New" pitchFamily="49" charset="0"/>
+            </a:endParaRPr>
+          </a:p>
+          <a:p>
+            <a:pPr lvl="1">
+              <a:buNone/>
+            </a:pPr>
+            <a:r>
+              <a:rPr lang="fr-FR" sz="3400" dirty="0" smtClean="0">
+                <a:latin typeface="Courier New" pitchFamily="49" charset="0"/>
+                <a:cs typeface="Courier New" pitchFamily="49" charset="0"/>
+              </a:rPr>
+              <a:t>  &lt;-</a:t>
+            </a:r>
+            <a:r>
+              <a:rPr lang="fr-FR" sz="3400" dirty="0" smtClean="0">
+                <a:latin typeface="Courier New" pitchFamily="49" charset="0"/>
+                <a:cs typeface="Courier New" pitchFamily="49" charset="0"/>
+              </a:rPr>
+              <a:t>c	// on attend une donnée de c</a:t>
+            </a:r>
+            <a:endParaRPr lang="fr-FR" sz="3400" dirty="0" smtClean="0">
+              <a:latin typeface="Courier New" pitchFamily="49" charset="0"/>
+              <a:cs typeface="Courier New" pitchFamily="49" charset="0"/>
+            </a:endParaRPr>
           </a:p>
           <a:p>
             <a:pPr lvl="1">
@@ -10451,14 +10939,32 @@
           <a:lstStyle/>
           <a:p>
             <a:r>
-              <a:rPr lang="fr-FR" dirty="0" err="1" smtClean="0"/>
+              <a:rPr lang="fr-FR" dirty="0" err="1" smtClean="0">
+                <a:solidFill>
+                  <a:schemeClr val="accent1">
+                    <a:lumMod val="75000"/>
+                  </a:schemeClr>
+                </a:solidFill>
+              </a:rPr>
               <a:t>Channels</a:t>
             </a:r>
             <a:r>
-              <a:rPr lang="fr-FR" dirty="0" smtClean="0"/>
+              <a:rPr lang="fr-FR" dirty="0" smtClean="0">
+                <a:solidFill>
+                  <a:schemeClr val="accent1">
+                    <a:lumMod val="75000"/>
+                  </a:schemeClr>
+                </a:solidFill>
+              </a:rPr>
               <a:t> : fermeture</a:t>
             </a:r>
-            <a:endParaRPr lang="fr-FR" dirty="0"/>
+            <a:endParaRPr lang="fr-FR" dirty="0">
+              <a:solidFill>
+                <a:schemeClr val="accent1">
+                  <a:lumMod val="75000"/>
+                </a:schemeClr>
+              </a:solidFill>
+            </a:endParaRPr>
           </a:p>
         </p:txBody>
       </p:sp>
@@ -10520,11 +11026,18 @@
               <a:t> </a:t>
             </a:r>
             <a:r>
+              <a:rPr lang="en-US" dirty="0" err="1" smtClean="0">
+                <a:latin typeface="Courier New" pitchFamily="49" charset="0"/>
+                <a:cs typeface="Courier New" pitchFamily="49" charset="0"/>
+              </a:rPr>
+              <a:t>producteur</a:t>
+            </a:r>
+            <a:r>
               <a:rPr lang="en-US" dirty="0" smtClean="0">
                 <a:latin typeface="Courier New" pitchFamily="49" charset="0"/>
                 <a:cs typeface="Courier New" pitchFamily="49" charset="0"/>
               </a:rPr>
-              <a:t>producer(c </a:t>
+              <a:t>(c </a:t>
             </a:r>
             <a:r>
               <a:rPr lang="en-US" dirty="0" err="1" smtClean="0">
@@ -10538,14 +11051,85 @@
                 <a:latin typeface="Courier New" pitchFamily="49" charset="0"/>
                 <a:cs typeface="Courier New" pitchFamily="49" charset="0"/>
               </a:rPr>
-              <a:t> *Work) </a:t>
+              <a:t> </a:t>
             </a:r>
             <a:r>
               <a:rPr lang="en-US" dirty="0" smtClean="0">
                 <a:latin typeface="Courier New" pitchFamily="49" charset="0"/>
                 <a:cs typeface="Courier New" pitchFamily="49" charset="0"/>
               </a:rPr>
+              <a:t>*Travail) </a:t>
+            </a:r>
+            <a:r>
+              <a:rPr lang="en-US" dirty="0" smtClean="0">
+                <a:latin typeface="Courier New" pitchFamily="49" charset="0"/>
+                <a:cs typeface="Courier New" pitchFamily="49" charset="0"/>
+              </a:rPr>
               <a:t>{</a:t>
+            </a:r>
+          </a:p>
+          <a:p>
+            <a:pPr lvl="1">
+              <a:buNone/>
+            </a:pPr>
+            <a:r>
+              <a:rPr lang="en-US" dirty="0" smtClean="0">
+                <a:latin typeface="Courier New" pitchFamily="49" charset="0"/>
+                <a:cs typeface="Courier New" pitchFamily="49" charset="0"/>
+              </a:rPr>
+              <a:t>   defer close(c)</a:t>
+            </a:r>
+          </a:p>
+          <a:p>
+            <a:pPr lvl="1">
+              <a:buNone/>
+            </a:pPr>
+            <a:r>
+              <a:rPr lang="en-US" dirty="0" smtClean="0">
+                <a:latin typeface="Courier New" pitchFamily="49" charset="0"/>
+                <a:cs typeface="Courier New" pitchFamily="49" charset="0"/>
+              </a:rPr>
+              <a:t>   for {</a:t>
+            </a:r>
+          </a:p>
+          <a:p>
+            <a:pPr lvl="1">
+              <a:buNone/>
+            </a:pPr>
+            <a:r>
+              <a:rPr lang="en-US" dirty="0" smtClean="0">
+                <a:latin typeface="Courier New" pitchFamily="49" charset="0"/>
+                <a:cs typeface="Courier New" pitchFamily="49" charset="0"/>
+              </a:rPr>
+              <a:t>       </a:t>
+            </a:r>
+            <a:r>
+              <a:rPr lang="en-US" dirty="0" smtClean="0">
+                <a:latin typeface="Courier New" pitchFamily="49" charset="0"/>
+                <a:cs typeface="Courier New" pitchFamily="49" charset="0"/>
+              </a:rPr>
+              <a:t>travail, </a:t>
+            </a:r>
+            <a:r>
+              <a:rPr lang="en-US" dirty="0" smtClean="0">
+                <a:latin typeface="Courier New" pitchFamily="49" charset="0"/>
+                <a:cs typeface="Courier New" pitchFamily="49" charset="0"/>
+              </a:rPr>
+              <a:t>ok := </a:t>
+            </a:r>
+            <a:r>
+              <a:rPr lang="en-US" dirty="0" err="1" smtClean="0">
+                <a:latin typeface="Courier New" pitchFamily="49" charset="0"/>
+                <a:cs typeface="Courier New" pitchFamily="49" charset="0"/>
+              </a:rPr>
+              <a:t>getTravail</a:t>
+            </a:r>
+            <a:r>
+              <a:rPr lang="en-US" dirty="0" smtClean="0">
+                <a:latin typeface="Courier New" pitchFamily="49" charset="0"/>
+                <a:cs typeface="Courier New" pitchFamily="49" charset="0"/>
+              </a:rPr>
+              <a:t>()</a:t>
             </a:r>
             <a:endParaRPr lang="en-US" dirty="0" smtClean="0">
               <a:latin typeface="Courier New" pitchFamily="49" charset="0"/>
@@ -10561,7 +11145,7 @@
                 <a:latin typeface="Courier New" pitchFamily="49" charset="0"/>
                 <a:cs typeface="Courier New" pitchFamily="49" charset="0"/>
               </a:rPr>
-              <a:t>   defer close(c)</a:t>
+              <a:t>       if !ok { return }</a:t>
             </a:r>
           </a:p>
           <a:p>
@@ -10573,87 +11157,15 @@
                 <a:latin typeface="Courier New" pitchFamily="49" charset="0"/>
                 <a:cs typeface="Courier New" pitchFamily="49" charset="0"/>
               </a:rPr>
-              <a:t>   for {</a:t>
-            </a:r>
-          </a:p>
-          <a:p>
-            <a:pPr lvl="1">
-              <a:buNone/>
-            </a:pPr>
+              <a:t>       c &lt;- </a:t>
+            </a:r>
             <a:r>
               <a:rPr lang="en-US" dirty="0" smtClean="0">
                 <a:latin typeface="Courier New" pitchFamily="49" charset="0"/>
                 <a:cs typeface="Courier New" pitchFamily="49" charset="0"/>
               </a:rPr>
-              <a:t>       work, ok := </a:t>
-            </a:r>
-            <a:r>
-              <a:rPr lang="en-US" dirty="0" err="1" smtClean="0">
-                <a:latin typeface="Courier New" pitchFamily="49" charset="0"/>
-                <a:cs typeface="Courier New" pitchFamily="49" charset="0"/>
-              </a:rPr>
-              <a:t>getWork</a:t>
-            </a:r>
-            <a:r>
-              <a:rPr lang="en-US" dirty="0" smtClean="0">
-                <a:latin typeface="Courier New" pitchFamily="49" charset="0"/>
-                <a:cs typeface="Courier New" pitchFamily="49" charset="0"/>
-              </a:rPr>
-              <a:t>()</a:t>
-            </a:r>
-          </a:p>
-          <a:p>
-            <a:pPr lvl="1">
-              <a:buNone/>
-            </a:pPr>
-            <a:r>
-              <a:rPr lang="en-US" dirty="0" smtClean="0">
-                <a:latin typeface="Courier New" pitchFamily="49" charset="0"/>
-                <a:cs typeface="Courier New" pitchFamily="49" charset="0"/>
-              </a:rPr>
-              <a:t>       if !ok { return }</a:t>
-            </a:r>
-          </a:p>
-          <a:p>
-            <a:pPr lvl="1">
-              <a:buNone/>
-            </a:pPr>
-            <a:r>
-              <a:rPr lang="en-US" dirty="0" smtClean="0">
-                <a:latin typeface="Courier New" pitchFamily="49" charset="0"/>
-                <a:cs typeface="Courier New" pitchFamily="49" charset="0"/>
-              </a:rPr>
-              <a:t>       c &lt;- work</a:t>
-            </a:r>
-          </a:p>
-          <a:p>
-            <a:pPr lvl="1">
-              <a:buNone/>
-            </a:pPr>
-            <a:r>
-              <a:rPr lang="en-US" dirty="0" smtClean="0">
-                <a:latin typeface="Courier New" pitchFamily="49" charset="0"/>
-                <a:cs typeface="Courier New" pitchFamily="49" charset="0"/>
-              </a:rPr>
-              <a:t>    }</a:t>
-            </a:r>
-          </a:p>
-          <a:p>
-            <a:pPr lvl="1">
-              <a:buNone/>
-            </a:pPr>
-            <a:r>
-              <a:rPr lang="en-US" dirty="0" smtClean="0">
-                <a:latin typeface="Courier New" pitchFamily="49" charset="0"/>
-                <a:cs typeface="Courier New" pitchFamily="49" charset="0"/>
-              </a:rPr>
-              <a:t>}</a:t>
-            </a:r>
-          </a:p>
-          <a:p>
-            <a:pPr lvl="1">
-              <a:buNone/>
-            </a:pPr>
+              <a:t>travail</a:t>
+            </a:r>
             <a:endParaRPr lang="en-US" dirty="0" smtClean="0">
               <a:latin typeface="Courier New" pitchFamily="49" charset="0"/>
               <a:cs typeface="Courier New" pitchFamily="49" charset="0"/>
@@ -10668,15 +11180,25 @@
                 <a:latin typeface="Courier New" pitchFamily="49" charset="0"/>
                 <a:cs typeface="Courier New" pitchFamily="49" charset="0"/>
               </a:rPr>
-              <a:t>// </a:t>
-            </a:r>
-            <a:r>
-              <a:rPr lang="en-US" dirty="0" err="1" smtClean="0">
-                <a:latin typeface="Courier New" pitchFamily="49" charset="0"/>
-                <a:cs typeface="Courier New" pitchFamily="49" charset="0"/>
-              </a:rPr>
-              <a:t>consommateur</a:t>
-            </a:r>
+              <a:t>    }</a:t>
+            </a:r>
+          </a:p>
+          <a:p>
+            <a:pPr lvl="1">
+              <a:buNone/>
+            </a:pPr>
+            <a:r>
+              <a:rPr lang="en-US" dirty="0" smtClean="0">
+                <a:latin typeface="Courier New" pitchFamily="49" charset="0"/>
+                <a:cs typeface="Courier New" pitchFamily="49" charset="0"/>
+              </a:rPr>
+              <a:t>}</a:t>
+            </a:r>
+          </a:p>
+          <a:p>
+            <a:pPr lvl="1">
+              <a:buNone/>
+            </a:pPr>
             <a:endParaRPr lang="en-US" dirty="0" smtClean="0">
               <a:latin typeface="Courier New" pitchFamily="49" charset="0"/>
               <a:cs typeface="Courier New" pitchFamily="49" charset="0"/>
@@ -10691,33 +11213,45 @@
                 <a:latin typeface="Courier New" pitchFamily="49" charset="0"/>
                 <a:cs typeface="Courier New" pitchFamily="49" charset="0"/>
               </a:rPr>
-              <a:t>for </a:t>
+              <a:t>// </a:t>
             </a:r>
             <a:r>
               <a:rPr lang="en-US" dirty="0" err="1" smtClean="0">
                 <a:latin typeface="Courier New" pitchFamily="49" charset="0"/>
                 <a:cs typeface="Courier New" pitchFamily="49" charset="0"/>
               </a:rPr>
-              <a:t>msg</a:t>
-            </a:r>
-            <a:r>
-              <a:rPr lang="en-US" dirty="0" smtClean="0">
-                <a:latin typeface="Courier New" pitchFamily="49" charset="0"/>
-                <a:cs typeface="Courier New" pitchFamily="49" charset="0"/>
-              </a:rPr>
-              <a:t> := range c </a:t>
-            </a:r>
-            <a:r>
-              <a:rPr lang="en-US" dirty="0" smtClean="0">
-                <a:latin typeface="Courier New" pitchFamily="49" charset="0"/>
-                <a:cs typeface="Courier New" pitchFamily="49" charset="0"/>
-              </a:rPr>
-              <a:t>{</a:t>
+              <a:t>consommateur</a:t>
             </a:r>
             <a:endParaRPr lang="en-US" dirty="0" smtClean="0">
               <a:latin typeface="Courier New" pitchFamily="49" charset="0"/>
               <a:cs typeface="Courier New" pitchFamily="49" charset="0"/>
             </a:endParaRPr>
+          </a:p>
+          <a:p>
+            <a:pPr lvl="1">
+              <a:buNone/>
+            </a:pPr>
+            <a:r>
+              <a:rPr lang="en-US" dirty="0" smtClean="0">
+                <a:latin typeface="Courier New" pitchFamily="49" charset="0"/>
+                <a:cs typeface="Courier New" pitchFamily="49" charset="0"/>
+              </a:rPr>
+              <a:t>for </a:t>
+            </a:r>
+            <a:r>
+              <a:rPr lang="en-US" dirty="0" err="1" smtClean="0">
+                <a:latin typeface="Courier New" pitchFamily="49" charset="0"/>
+                <a:cs typeface="Courier New" pitchFamily="49" charset="0"/>
+              </a:rPr>
+              <a:t>msg</a:t>
+            </a:r>
+            <a:r>
+              <a:rPr lang="en-US" dirty="0" smtClean="0">
+                <a:latin typeface="Courier New" pitchFamily="49" charset="0"/>
+                <a:cs typeface="Courier New" pitchFamily="49" charset="0"/>
+              </a:rPr>
+              <a:t> := range c {</a:t>
+            </a:r>
           </a:p>
           <a:p>
             <a:pPr lvl="1">
@@ -10808,22 +11342,62 @@
           <a:lstStyle/>
           <a:p>
             <a:r>
-              <a:rPr lang="fr-FR" sz="3600" dirty="0" smtClean="0"/>
+              <a:rPr lang="fr-FR" sz="3600" dirty="0" smtClean="0">
+                <a:solidFill>
+                  <a:schemeClr val="accent1">
+                    <a:lumMod val="75000"/>
+                  </a:schemeClr>
+                </a:solidFill>
+              </a:rPr>
               <a:t>Pourquoi pas de </a:t>
             </a:r>
             <a:r>
-              <a:rPr lang="fr-FR" sz="3600" i="1" dirty="0" err="1" smtClean="0"/>
+              <a:rPr lang="fr-FR" sz="3600" i="1" dirty="0" err="1" smtClean="0">
+                <a:solidFill>
+                  <a:schemeClr val="accent1">
+                    <a:lumMod val="75000"/>
+                  </a:schemeClr>
+                </a:solidFill>
+              </a:rPr>
               <a:t>join</a:t>
             </a:r>
             <a:r>
-              <a:rPr lang="fr-FR" sz="3600" dirty="0" smtClean="0"/>
+              <a:rPr lang="fr-FR" sz="3600" dirty="0" smtClean="0">
+                <a:solidFill>
+                  <a:schemeClr val="accent1">
+                    <a:lumMod val="75000"/>
+                  </a:schemeClr>
+                </a:solidFill>
+              </a:rPr>
               <a:t> dans les </a:t>
             </a:r>
             <a:r>
-              <a:rPr lang="fr-FR" sz="3600" dirty="0" err="1" smtClean="0"/>
+              <a:rPr lang="fr-FR" sz="3600" i="1" dirty="0" err="1" smtClean="0">
+                <a:solidFill>
+                  <a:schemeClr val="accent1">
+                    <a:lumMod val="75000"/>
+                  </a:schemeClr>
+                </a:solidFill>
+              </a:rPr>
               <a:t>goroutines</a:t>
             </a:r>
-            <a:endParaRPr lang="fr-FR" sz="3600" dirty="0"/>
+            <a:r>
+              <a:rPr lang="fr-FR" sz="3600" i="1" dirty="0" smtClean="0">
+                <a:solidFill>
+                  <a:schemeClr val="accent1">
+                    <a:lumMod val="75000"/>
+                  </a:schemeClr>
+                </a:solidFill>
+              </a:rPr>
+              <a:t>?</a:t>
+            </a:r>
+            <a:endParaRPr lang="fr-FR" sz="3600" i="1" dirty="0">
+              <a:solidFill>
+                <a:schemeClr val="accent1">
+                  <a:lumMod val="75000"/>
+                </a:schemeClr>
+              </a:solidFill>
+            </a:endParaRPr>
           </a:p>
         </p:txBody>
       </p:sp>
@@ -10848,62 +11422,74 @@
               <a:buNone/>
             </a:pPr>
             <a:r>
-              <a:rPr lang="en-US" sz="1800" dirty="0" err="1" smtClean="0"/>
-              <a:t>Habituellement</a:t>
-            </a:r>
-            <a:r>
-              <a:rPr lang="en-US" sz="1800" dirty="0" smtClean="0"/>
-              <a:t>, on a </a:t>
-            </a:r>
-            <a:r>
-              <a:rPr lang="en-US" sz="1800" dirty="0" err="1" smtClean="0"/>
+              <a:rPr lang="en-US" sz="2000" dirty="0" smtClean="0"/>
+              <a:t>On </a:t>
+            </a:r>
+            <a:r>
+              <a:rPr lang="en-US" sz="2000" dirty="0" smtClean="0"/>
+              <a:t>a </a:t>
+            </a:r>
+            <a:r>
+              <a:rPr lang="en-US" sz="2000" dirty="0" err="1" smtClean="0"/>
+              <a:t>généralement</a:t>
+            </a:r>
+            <a:r>
+              <a:rPr lang="en-US" sz="2000" dirty="0" smtClean="0"/>
+              <a:t> </a:t>
+            </a:r>
+            <a:r>
+              <a:rPr lang="en-US" sz="2000" dirty="0" err="1" smtClean="0"/>
               <a:t>besoin</a:t>
             </a:r>
             <a:r>
-              <a:rPr lang="en-US" sz="1800" dirty="0" smtClean="0"/>
+              <a:rPr lang="en-US" sz="2000" dirty="0" smtClean="0"/>
+              <a:t> </a:t>
+            </a:r>
+            <a:r>
+              <a:rPr lang="en-US" sz="2000" dirty="0" smtClean="0"/>
+              <a:t>de </a:t>
+            </a:r>
+            <a:r>
+              <a:rPr lang="en-US" sz="2000" dirty="0" err="1" smtClean="0"/>
+              <a:t>toute</a:t>
+            </a:r>
+            <a:r>
+              <a:rPr lang="en-US" sz="2000" dirty="0" smtClean="0"/>
+              <a:t> </a:t>
+            </a:r>
+            <a:r>
+              <a:rPr lang="en-US" sz="2000" dirty="0" err="1" smtClean="0"/>
+              <a:t>façon</a:t>
+            </a:r>
+            <a:r>
+              <a:rPr lang="en-US" sz="2000" dirty="0" smtClean="0"/>
               <a:t> de </a:t>
             </a:r>
             <a:r>
-              <a:rPr lang="en-US" sz="1800" dirty="0" err="1" smtClean="0"/>
+              <a:rPr lang="en-US" sz="2000" dirty="0" err="1" smtClean="0"/>
               <a:t>retourner</a:t>
             </a:r>
             <a:r>
-              <a:rPr lang="en-US" sz="1800" dirty="0" smtClean="0"/>
+              <a:rPr lang="en-US" sz="2000" dirty="0" smtClean="0"/>
               <a:t> </a:t>
             </a:r>
             <a:r>
-              <a:rPr lang="en-US" sz="1800" dirty="0" err="1" smtClean="0"/>
+              <a:rPr lang="en-US" sz="2000" dirty="0" err="1" smtClean="0"/>
               <a:t>une</a:t>
             </a:r>
             <a:r>
-              <a:rPr lang="en-US" sz="1800" dirty="0" smtClean="0"/>
+              <a:rPr lang="en-US" sz="2000" dirty="0" smtClean="0"/>
               <a:t> </a:t>
             </a:r>
             <a:r>
-              <a:rPr lang="en-US" sz="1800" dirty="0" err="1" smtClean="0"/>
-              <a:t>valkeur</a:t>
-            </a:r>
-            <a:r>
-              <a:rPr lang="en-US" sz="1800" dirty="0" smtClean="0"/>
-              <a:t> de </a:t>
-            </a:r>
-            <a:r>
-              <a:rPr lang="en-US" sz="1800" dirty="0" err="1" smtClean="0"/>
-              <a:t>toute</a:t>
-            </a:r>
-            <a:r>
-              <a:rPr lang="en-US" sz="1800" dirty="0" smtClean="0"/>
-              <a:t> </a:t>
-            </a:r>
-            <a:r>
-              <a:rPr lang="en-US" sz="1800" dirty="0" err="1" smtClean="0"/>
-              <a:t>façon</a:t>
-            </a:r>
-            <a:r>
-              <a:rPr lang="en-US" sz="1800" dirty="0" smtClean="0"/>
+              <a:rPr lang="en-US" sz="2000" dirty="0" err="1" smtClean="0"/>
+              <a:t>valeur</a:t>
+            </a:r>
+            <a:r>
+              <a:rPr lang="en-US" sz="2000" dirty="0" smtClean="0"/>
               <a:t>.</a:t>
             </a:r>
-            <a:endParaRPr lang="en-US" sz="1800" dirty="0" smtClean="0"/>
+            <a:endParaRPr lang="en-US" sz="2000" dirty="0" smtClean="0"/>
           </a:p>
           <a:p>
             <a:pPr lvl="1">
@@ -10911,25 +11497,14 @@
             </a:pPr>
             <a:r>
               <a:rPr lang="en-US" sz="1200" dirty="0" smtClean="0"/>
-              <a:t>  </a:t>
-            </a:r>
-            <a:r>
-              <a:rPr lang="en-US" sz="1200" dirty="0" smtClean="0"/>
-              <a:t>   </a:t>
+              <a:t>     </a:t>
             </a:r>
             <a:r>
               <a:rPr lang="en-US" sz="1600" dirty="0" smtClean="0">
                 <a:latin typeface="Courier New" pitchFamily="49" charset="0"/>
                 <a:cs typeface="Courier New" pitchFamily="49" charset="0"/>
               </a:rPr>
-              <a:t>c </a:t>
-            </a:r>
-            <a:r>
-              <a:rPr lang="en-US" sz="1600" dirty="0" smtClean="0">
-                <a:latin typeface="Courier New" pitchFamily="49" charset="0"/>
-                <a:cs typeface="Courier New" pitchFamily="49" charset="0"/>
-              </a:rPr>
-              <a:t>:= make(</a:t>
+              <a:t>c := make(</a:t>
             </a:r>
             <a:r>
               <a:rPr lang="en-US" sz="1600" dirty="0" err="1" smtClean="0">
@@ -11107,21 +11682,7 @@
                 <a:latin typeface="Courier New" pitchFamily="49" charset="0"/>
                 <a:cs typeface="Courier New" pitchFamily="49" charset="0"/>
               </a:rPr>
-              <a:t>  </a:t>
-            </a:r>
-            <a:r>
-              <a:rPr lang="en-US" sz="1600" dirty="0" smtClean="0">
-                <a:latin typeface="Courier New" pitchFamily="49" charset="0"/>
-                <a:cs typeface="Courier New" pitchFamily="49" charset="0"/>
-              </a:rPr>
-              <a:t>}</a:t>
-            </a:r>
-            <a:r>
-              <a:rPr lang="en-US" sz="1600" dirty="0" smtClean="0">
-                <a:latin typeface="Courier New" pitchFamily="49" charset="0"/>
-                <a:cs typeface="Courier New" pitchFamily="49" charset="0"/>
-              </a:rPr>
-              <a:t/>
+              <a:t>  }</a:t>
             </a:r>
             <a:br>
               <a:rPr lang="en-US" sz="1600" dirty="0" smtClean="0">
@@ -11283,10 +11844,22 @@
           <a:lstStyle/>
           <a:p>
             <a:r>
-              <a:rPr lang="fr-FR" dirty="0" smtClean="0"/>
+              <a:rPr lang="fr-FR" dirty="0" smtClean="0">
+                <a:solidFill>
+                  <a:schemeClr val="accent1">
+                    <a:lumMod val="75000"/>
+                  </a:schemeClr>
+                </a:solidFill>
+              </a:rPr>
               <a:t>Select</a:t>
             </a:r>
-            <a:endParaRPr lang="fr-FR" dirty="0"/>
+            <a:endParaRPr lang="fr-FR" dirty="0">
+              <a:solidFill>
+                <a:schemeClr val="accent1">
+                  <a:lumMod val="75000"/>
+                </a:schemeClr>
+              </a:solidFill>
+            </a:endParaRPr>
           </a:p>
         </p:txBody>
       </p:sp>
@@ -11303,7 +11876,7 @@
         <p:spPr/>
         <p:txBody>
           <a:bodyPr>
-            <a:normAutofit fontScale="85000" lnSpcReduction="20000"/>
+            <a:normAutofit fontScale="77500" lnSpcReduction="20000"/>
           </a:bodyPr>
           <a:lstStyle/>
           <a:p>
@@ -11311,8 +11884,12 @@
               <a:buNone/>
             </a:pPr>
             <a:r>
+              <a:rPr lang="en-US" dirty="0" err="1" smtClean="0"/>
+              <a:t>L’instruction</a:t>
+            </a:r>
+            <a:r>
               <a:rPr lang="en-US" i="1" dirty="0" smtClean="0"/>
-              <a:t>Select</a:t>
+              <a:t> Select</a:t>
             </a:r>
             <a:r>
               <a:rPr lang="en-US" dirty="0" smtClean="0"/>
@@ -11344,8 +11921,9 @@
             </a:r>
             <a:r>
               <a:rPr lang="en-US" dirty="0" smtClean="0"/>
-              <a:t> un ensemble</a:t>
-            </a:r>
+              <a:t> un </a:t>
+            </a:r>
+            <a:endParaRPr lang="en-US" dirty="0" smtClean="0"/>
           </a:p>
           <a:p>
             <a:pPr>
@@ -11353,7 +11931,19 @@
             </a:pPr>
             <a:r>
               <a:rPr lang="en-US" dirty="0" smtClean="0"/>
-              <a:t> de communications </a:t>
+              <a:t>ensemble</a:t>
+            </a:r>
+            <a:r>
+              <a:rPr lang="en-US" dirty="0" smtClean="0"/>
+              <a:t> </a:t>
+            </a:r>
+            <a:r>
+              <a:rPr lang="en-US" dirty="0" smtClean="0"/>
+              <a:t>de </a:t>
+            </a:r>
+            <a:r>
+              <a:rPr lang="en-US" dirty="0" smtClean="0"/>
+              <a:t>communications </a:t>
             </a:r>
             <a:r>
               <a:rPr lang="en-US" dirty="0" err="1" smtClean="0"/>
@@ -11370,10 +11960,6 @@
             <a:r>
               <a:rPr lang="en-US" dirty="0" smtClean="0"/>
               <a:t> : </a:t>
-            </a:r>
-            <a:r>
-              <a:rPr lang="en-US" dirty="0" smtClean="0"/>
-              <a:t/>
             </a:r>
             <a:br>
               <a:rPr lang="en-US" dirty="0" smtClean="0"/>
@@ -11402,29 +11988,64 @@
                 <a:latin typeface="Courier New" pitchFamily="49" charset="0"/>
                 <a:cs typeface="Courier New" pitchFamily="49" charset="0"/>
               </a:rPr>
-              <a:t> case </a:t>
+              <a:t> case c1 &lt;- </a:t>
+            </a:r>
+            <a:r>
+              <a:rPr lang="en-US" dirty="0" err="1" smtClean="0">
+                <a:latin typeface="Courier New" pitchFamily="49" charset="0"/>
+                <a:cs typeface="Courier New" pitchFamily="49" charset="0"/>
+              </a:rPr>
+              <a:t>foo</a:t>
             </a:r>
             <a:r>
               <a:rPr lang="en-US" dirty="0" smtClean="0">
                 <a:latin typeface="Courier New" pitchFamily="49" charset="0"/>
                 <a:cs typeface="Courier New" pitchFamily="49" charset="0"/>
               </a:rPr>
-              <a:t>c1 &lt;- </a:t>
+              <a:t>:</a:t>
+            </a:r>
+          </a:p>
+          <a:p>
+            <a:pPr lvl="1">
+              <a:buNone/>
+            </a:pPr>
+            <a:r>
+              <a:rPr lang="en-US" dirty="0" smtClean="0">
+                <a:latin typeface="Courier New" pitchFamily="49" charset="0"/>
+                <a:cs typeface="Courier New" pitchFamily="49" charset="0"/>
+              </a:rPr>
+              <a:t>  	case m := &lt;-c2:</a:t>
+            </a:r>
+          </a:p>
+          <a:p>
+            <a:pPr lvl="1">
+              <a:buNone/>
+            </a:pPr>
+            <a:r>
+              <a:rPr lang="en-US" dirty="0" smtClean="0">
+                <a:latin typeface="Courier New" pitchFamily="49" charset="0"/>
+                <a:cs typeface="Courier New" pitchFamily="49" charset="0"/>
+              </a:rPr>
+              <a:t>    </a:t>
             </a:r>
             <a:r>
               <a:rPr lang="en-US" dirty="0" err="1" smtClean="0">
                 <a:latin typeface="Courier New" pitchFamily="49" charset="0"/>
                 <a:cs typeface="Courier New" pitchFamily="49" charset="0"/>
               </a:rPr>
-              <a:t>foo</a:t>
+              <a:t>faireqqchose</a:t>
             </a:r>
             <a:r>
               <a:rPr lang="en-US" dirty="0" smtClean="0">
                 <a:latin typeface="Courier New" pitchFamily="49" charset="0"/>
                 <a:cs typeface="Courier New" pitchFamily="49" charset="0"/>
               </a:rPr>
-              <a:t>:</a:t>
-            </a:r>
+              <a:t>)</a:t>
+            </a:r>
+            <a:endParaRPr lang="en-US" dirty="0" smtClean="0">
+              <a:latin typeface="Courier New" pitchFamily="49" charset="0"/>
+              <a:cs typeface="Courier New" pitchFamily="49" charset="0"/>
+            </a:endParaRPr>
           </a:p>
           <a:p>
             <a:pPr lvl="1">
@@ -11435,22 +12056,38 @@
                 <a:latin typeface="Courier New" pitchFamily="49" charset="0"/>
                 <a:cs typeface="Courier New" pitchFamily="49" charset="0"/>
               </a:rPr>
-              <a:t>  </a:t>
-            </a:r>
+              <a:t>  	case m := &lt;-c3:</a:t>
+            </a:r>
+          </a:p>
+          <a:p>
+            <a:pPr lvl="1">
+              <a:buNone/>
+            </a:pPr>
             <a:r>
               <a:rPr lang="en-US" dirty="0" smtClean="0">
                 <a:latin typeface="Courier New" pitchFamily="49" charset="0"/>
                 <a:cs typeface="Courier New" pitchFamily="49" charset="0"/>
               </a:rPr>
-              <a:t>	case </a:t>
+              <a:t>    </a:t>
+            </a:r>
+            <a:r>
+              <a:rPr lang="en-US" dirty="0" err="1" smtClean="0">
+                <a:latin typeface="Courier New" pitchFamily="49" charset="0"/>
+                <a:cs typeface="Courier New" pitchFamily="49" charset="0"/>
+              </a:rPr>
+              <a:t>faireqqchosedautre</a:t>
             </a:r>
             <a:r>
               <a:rPr lang="en-US" dirty="0" smtClean="0">
                 <a:latin typeface="Courier New" pitchFamily="49" charset="0"/>
                 <a:cs typeface="Courier New" pitchFamily="49" charset="0"/>
               </a:rPr>
-              <a:t>m := &lt;-c2:</a:t>
-            </a:r>
+              <a:t>)</a:t>
+            </a:r>
+            <a:endParaRPr lang="en-US" dirty="0" smtClean="0">
+              <a:latin typeface="Courier New" pitchFamily="49" charset="0"/>
+              <a:cs typeface="Courier New" pitchFamily="49" charset="0"/>
+            </a:endParaRPr>
           </a:p>
           <a:p>
             <a:pPr lvl="1">
@@ -11461,6 +12098,18 @@
                 <a:latin typeface="Courier New" pitchFamily="49" charset="0"/>
                 <a:cs typeface="Courier New" pitchFamily="49" charset="0"/>
               </a:rPr>
+              <a:t>  	default:</a:t>
+            </a:r>
+          </a:p>
+          <a:p>
+            <a:pPr lvl="1">
+              <a:buNone/>
+            </a:pPr>
+            <a:r>
+              <a:rPr lang="en-US" dirty="0" smtClean="0">
+                <a:latin typeface="Courier New" pitchFamily="49" charset="0"/>
+                <a:cs typeface="Courier New" pitchFamily="49" charset="0"/>
+              </a:rPr>
               <a:t>    </a:t>
             </a:r>
             <a:r>
@@ -11468,119 +12117,19 @@
                 <a:latin typeface="Courier New" pitchFamily="49" charset="0"/>
                 <a:cs typeface="Courier New" pitchFamily="49" charset="0"/>
               </a:rPr>
-              <a:t>doSomething</a:t>
+              <a:t>faireqqchosepardefaut</a:t>
             </a:r>
             <a:r>
               <a:rPr lang="en-US" dirty="0" smtClean="0">
                 <a:latin typeface="Courier New" pitchFamily="49" charset="0"/>
                 <a:cs typeface="Courier New" pitchFamily="49" charset="0"/>
               </a:rPr>
-              <a:t>(m)</a:t>
-            </a:r>
-          </a:p>
-          <a:p>
-            <a:pPr lvl="1">
-              <a:buNone/>
-            </a:pPr>
-            <a:r>
-              <a:rPr lang="en-US" dirty="0" smtClean="0">
-                <a:latin typeface="Courier New" pitchFamily="49" charset="0"/>
-                <a:cs typeface="Courier New" pitchFamily="49" charset="0"/>
-              </a:rPr>
-              <a:t>  </a:t>
-            </a:r>
-            <a:r>
-              <a:rPr lang="en-US" dirty="0" smtClean="0">
-                <a:latin typeface="Courier New" pitchFamily="49" charset="0"/>
-                <a:cs typeface="Courier New" pitchFamily="49" charset="0"/>
-              </a:rPr>
-              <a:t>	case </a:t>
-            </a:r>
-            <a:r>
-              <a:rPr lang="en-US" dirty="0" smtClean="0">
-                <a:latin typeface="Courier New" pitchFamily="49" charset="0"/>
-                <a:cs typeface="Courier New" pitchFamily="49" charset="0"/>
-              </a:rPr>
-              <a:t>m := &lt;-c3:</a:t>
-            </a:r>
-          </a:p>
-          <a:p>
-            <a:pPr lvl="1">
-              <a:buNone/>
-            </a:pPr>
-            <a:r>
-              <a:rPr lang="en-US" dirty="0" smtClean="0">
-                <a:latin typeface="Courier New" pitchFamily="49" charset="0"/>
-                <a:cs typeface="Courier New" pitchFamily="49" charset="0"/>
-              </a:rPr>
-              <a:t>    </a:t>
-            </a:r>
-            <a:r>
-              <a:rPr lang="en-US" dirty="0" err="1" smtClean="0">
-                <a:latin typeface="Courier New" pitchFamily="49" charset="0"/>
-                <a:cs typeface="Courier New" pitchFamily="49" charset="0"/>
-              </a:rPr>
-              <a:t>doSomethingElse</a:t>
-            </a:r>
-            <a:r>
-              <a:rPr lang="en-US" dirty="0" smtClean="0">
-                <a:latin typeface="Courier New" pitchFamily="49" charset="0"/>
-                <a:cs typeface="Courier New" pitchFamily="49" charset="0"/>
-              </a:rPr>
-              <a:t>(m)</a:t>
-            </a:r>
-          </a:p>
-          <a:p>
-            <a:pPr lvl="1">
-              <a:buNone/>
-            </a:pPr>
-            <a:r>
-              <a:rPr lang="en-US" dirty="0" smtClean="0">
-                <a:latin typeface="Courier New" pitchFamily="49" charset="0"/>
-                <a:cs typeface="Courier New" pitchFamily="49" charset="0"/>
-              </a:rPr>
-              <a:t>  </a:t>
-            </a:r>
-            <a:r>
-              <a:rPr lang="en-US" dirty="0" smtClean="0">
-                <a:latin typeface="Courier New" pitchFamily="49" charset="0"/>
-                <a:cs typeface="Courier New" pitchFamily="49" charset="0"/>
-              </a:rPr>
-              <a:t>	default</a:t>
-            </a:r>
-            <a:r>
-              <a:rPr lang="en-US" dirty="0" smtClean="0">
-                <a:latin typeface="Courier New" pitchFamily="49" charset="0"/>
-                <a:cs typeface="Courier New" pitchFamily="49" charset="0"/>
-              </a:rPr>
-              <a:t>:</a:t>
-            </a:r>
-          </a:p>
-          <a:p>
-            <a:pPr lvl="1">
-              <a:buNone/>
-            </a:pPr>
-            <a:r>
-              <a:rPr lang="en-US" dirty="0" smtClean="0">
-                <a:latin typeface="Courier New" pitchFamily="49" charset="0"/>
-                <a:cs typeface="Courier New" pitchFamily="49" charset="0"/>
-              </a:rPr>
-              <a:t>    </a:t>
-            </a:r>
-            <a:r>
-              <a:rPr lang="en-US" dirty="0" err="1" smtClean="0">
-                <a:latin typeface="Courier New" pitchFamily="49" charset="0"/>
-                <a:cs typeface="Courier New" pitchFamily="49" charset="0"/>
-              </a:rPr>
-              <a:t>doDefault</a:t>
-            </a:r>
-            <a:r>
-              <a:rPr lang="en-US" dirty="0" smtClean="0">
-                <a:latin typeface="Courier New" pitchFamily="49" charset="0"/>
-                <a:cs typeface="Courier New" pitchFamily="49" charset="0"/>
-              </a:rPr>
               <a:t>()</a:t>
             </a:r>
+            <a:endParaRPr lang="en-US" dirty="0" smtClean="0">
+              <a:latin typeface="Courier New" pitchFamily="49" charset="0"/>
+              <a:cs typeface="Courier New" pitchFamily="49" charset="0"/>
+            </a:endParaRPr>
           </a:p>
           <a:p>
             <a:pPr lvl="1">
